--- a/186893-MelottiDamiano.pptx
+++ b/186893-MelottiDamiano.pptx
@@ -1,26 +1,29 @@
 
 <file path=ppt/presentation.xml><?xml version="1.0" encoding="utf-8"?>
-<p:presentation xmlns:a="http://schemas.openxmlformats.org/drawingml/2006/main" xmlns:r="http://schemas.openxmlformats.org/officeDocument/2006/relationships" xmlns:p="http://schemas.openxmlformats.org/presentationml/2006/main" saveSubsetFonts="1">
+<p:presentation xmlns:a="http://schemas.openxmlformats.org/drawingml/2006/main" xmlns:r="http://schemas.openxmlformats.org/officeDocument/2006/relationships" xmlns:p="http://schemas.openxmlformats.org/presentationml/2006/main" showSpecialPlsOnTitleSld="0" saveSubsetFonts="1">
   <p:sldMasterIdLst>
     <p:sldMasterId id="2147483648" r:id="rId1"/>
   </p:sldMasterIdLst>
   <p:notesMasterIdLst>
-    <p:notesMasterId r:id="rId15"/>
+    <p:notesMasterId r:id="rId18"/>
   </p:notesMasterIdLst>
   <p:sldIdLst>
     <p:sldId id="256" r:id="rId2"/>
     <p:sldId id="257" r:id="rId3"/>
-    <p:sldId id="260" r:id="rId4"/>
-    <p:sldId id="258" r:id="rId5"/>
-    <p:sldId id="259" r:id="rId6"/>
-    <p:sldId id="265" r:id="rId7"/>
-    <p:sldId id="262" r:id="rId8"/>
-    <p:sldId id="268" r:id="rId9"/>
-    <p:sldId id="267" r:id="rId10"/>
-    <p:sldId id="263" r:id="rId11"/>
-    <p:sldId id="264" r:id="rId12"/>
-    <p:sldId id="271" r:id="rId13"/>
-    <p:sldId id="269" r:id="rId14"/>
+    <p:sldId id="273" r:id="rId4"/>
+    <p:sldId id="259" r:id="rId5"/>
+    <p:sldId id="265" r:id="rId6"/>
+    <p:sldId id="262" r:id="rId7"/>
+    <p:sldId id="268" r:id="rId8"/>
+    <p:sldId id="274" r:id="rId9"/>
+    <p:sldId id="275" r:id="rId10"/>
+    <p:sldId id="276" r:id="rId11"/>
+    <p:sldId id="277" r:id="rId12"/>
+    <p:sldId id="278" r:id="rId13"/>
+    <p:sldId id="279" r:id="rId14"/>
+    <p:sldId id="263" r:id="rId15"/>
+    <p:sldId id="264" r:id="rId16"/>
+    <p:sldId id="271" r:id="rId17"/>
   </p:sldIdLst>
   <p:sldSz cx="12192000" cy="6858000"/>
   <p:notesSz cx="6858000" cy="9144000"/>
@@ -209,7 +212,7 @@
           <a:p>
             <a:fld id="{BCFCB6DA-A7C4-42DC-ABCF-A78F2F0E52C5}" type="datetimeFigureOut">
               <a:rPr lang="it-IT" smtClean="0"/>
-              <a:t>14/07/2019</a:t>
+              <a:t>15/07/2019</a:t>
             </a:fld>
             <a:endParaRPr lang="it-IT"/>
           </a:p>
@@ -542,7 +545,91 @@
           <a:p>
             <a:fld id="{2D9D74C2-F535-4A47-8B08-B66775F5B8AA}" type="slidenum">
               <a:rPr lang="it-IT" smtClean="0"/>
-              <a:t>6</a:t>
+              <a:t>2</a:t>
+            </a:fld>
+            <a:endParaRPr lang="it-IT"/>
+          </a:p>
+        </p:txBody>
+      </p:sp>
+    </p:spTree>
+    <p:extLst>
+      <p:ext uri="{BB962C8B-B14F-4D97-AF65-F5344CB8AC3E}">
+        <p14:creationId xmlns:p14="http://schemas.microsoft.com/office/powerpoint/2010/main" val="201499639"/>
+      </p:ext>
+    </p:extLst>
+  </p:cSld>
+  <p:clrMapOvr>
+    <a:masterClrMapping/>
+  </p:clrMapOvr>
+</p:notes>
+</file>
+
+<file path=ppt/notesSlides/notesSlide2.xml><?xml version="1.0" encoding="utf-8"?>
+<p:notes xmlns:a="http://schemas.openxmlformats.org/drawingml/2006/main" xmlns:r="http://schemas.openxmlformats.org/officeDocument/2006/relationships" xmlns:p="http://schemas.openxmlformats.org/presentationml/2006/main">
+  <p:cSld>
+    <p:spTree>
+      <p:nvGrpSpPr>
+        <p:cNvPr id="1" name=""/>
+        <p:cNvGrpSpPr/>
+        <p:nvPr/>
+      </p:nvGrpSpPr>
+      <p:grpSpPr>
+        <a:xfrm>
+          <a:off x="0" y="0"/>
+          <a:ext cx="0" cy="0"/>
+          <a:chOff x="0" y="0"/>
+          <a:chExt cx="0" cy="0"/>
+        </a:xfrm>
+      </p:grpSpPr>
+      <p:sp>
+        <p:nvSpPr>
+          <p:cNvPr id="2" name="Segnaposto immagine diapositiva 1"/>
+          <p:cNvSpPr>
+            <a:spLocks noGrp="1" noRot="1" noChangeAspect="1"/>
+          </p:cNvSpPr>
+          <p:nvPr>
+            <p:ph type="sldImg"/>
+          </p:nvPr>
+        </p:nvSpPr>
+        <p:spPr/>
+      </p:sp>
+      <p:sp>
+        <p:nvSpPr>
+          <p:cNvPr id="3" name="Segnaposto note 2"/>
+          <p:cNvSpPr>
+            <a:spLocks noGrp="1"/>
+          </p:cNvSpPr>
+          <p:nvPr>
+            <p:ph type="body" idx="1"/>
+          </p:nvPr>
+        </p:nvSpPr>
+        <p:spPr/>
+        <p:txBody>
+          <a:bodyPr/>
+          <a:lstStyle/>
+          <a:p>
+            <a:endParaRPr lang="it-IT"/>
+          </a:p>
+        </p:txBody>
+      </p:sp>
+      <p:sp>
+        <p:nvSpPr>
+          <p:cNvPr id="4" name="Segnaposto numero diapositiva 3"/>
+          <p:cNvSpPr>
+            <a:spLocks noGrp="1"/>
+          </p:cNvSpPr>
+          <p:nvPr>
+            <p:ph type="sldNum" sz="quarter" idx="10"/>
+          </p:nvPr>
+        </p:nvSpPr>
+        <p:spPr/>
+        <p:txBody>
+          <a:bodyPr/>
+          <a:lstStyle/>
+          <a:p>
+            <a:fld id="{2D9D74C2-F535-4A47-8B08-B66775F5B8AA}" type="slidenum">
+              <a:rPr lang="it-IT" smtClean="0"/>
+              <a:t>5</a:t>
             </a:fld>
             <a:endParaRPr lang="it-IT"/>
           </a:p>
@@ -552,6 +639,342 @@
     <p:extLst>
       <p:ext uri="{BB962C8B-B14F-4D97-AF65-F5344CB8AC3E}">
         <p14:creationId xmlns:p14="http://schemas.microsoft.com/office/powerpoint/2010/main" val="2103718097"/>
+      </p:ext>
+    </p:extLst>
+  </p:cSld>
+  <p:clrMapOvr>
+    <a:masterClrMapping/>
+  </p:clrMapOvr>
+</p:notes>
+</file>
+
+<file path=ppt/notesSlides/notesSlide3.xml><?xml version="1.0" encoding="utf-8"?>
+<p:notes xmlns:a="http://schemas.openxmlformats.org/drawingml/2006/main" xmlns:r="http://schemas.openxmlformats.org/officeDocument/2006/relationships" xmlns:p="http://schemas.openxmlformats.org/presentationml/2006/main">
+  <p:cSld>
+    <p:spTree>
+      <p:nvGrpSpPr>
+        <p:cNvPr id="1" name=""/>
+        <p:cNvGrpSpPr/>
+        <p:nvPr/>
+      </p:nvGrpSpPr>
+      <p:grpSpPr>
+        <a:xfrm>
+          <a:off x="0" y="0"/>
+          <a:ext cx="0" cy="0"/>
+          <a:chOff x="0" y="0"/>
+          <a:chExt cx="0" cy="0"/>
+        </a:xfrm>
+      </p:grpSpPr>
+      <p:sp>
+        <p:nvSpPr>
+          <p:cNvPr id="2" name="Segnaposto immagine diapositiva 1"/>
+          <p:cNvSpPr>
+            <a:spLocks noGrp="1" noRot="1" noChangeAspect="1"/>
+          </p:cNvSpPr>
+          <p:nvPr>
+            <p:ph type="sldImg"/>
+          </p:nvPr>
+        </p:nvSpPr>
+        <p:spPr/>
+      </p:sp>
+      <p:sp>
+        <p:nvSpPr>
+          <p:cNvPr id="3" name="Segnaposto note 2"/>
+          <p:cNvSpPr>
+            <a:spLocks noGrp="1"/>
+          </p:cNvSpPr>
+          <p:nvPr>
+            <p:ph type="body" idx="1"/>
+          </p:nvPr>
+        </p:nvSpPr>
+        <p:spPr/>
+        <p:txBody>
+          <a:bodyPr/>
+          <a:lstStyle/>
+          <a:p>
+            <a:endParaRPr lang="it-IT"/>
+          </a:p>
+        </p:txBody>
+      </p:sp>
+      <p:sp>
+        <p:nvSpPr>
+          <p:cNvPr id="4" name="Segnaposto numero diapositiva 3"/>
+          <p:cNvSpPr>
+            <a:spLocks noGrp="1"/>
+          </p:cNvSpPr>
+          <p:nvPr>
+            <p:ph type="sldNum" sz="quarter" idx="10"/>
+          </p:nvPr>
+        </p:nvSpPr>
+        <p:spPr/>
+        <p:txBody>
+          <a:bodyPr/>
+          <a:lstStyle/>
+          <a:p>
+            <a:fld id="{2D9D74C2-F535-4A47-8B08-B66775F5B8AA}" type="slidenum">
+              <a:rPr lang="it-IT" smtClean="0"/>
+              <a:t>7</a:t>
+            </a:fld>
+            <a:endParaRPr lang="it-IT"/>
+          </a:p>
+        </p:txBody>
+      </p:sp>
+    </p:spTree>
+    <p:extLst>
+      <p:ext uri="{BB962C8B-B14F-4D97-AF65-F5344CB8AC3E}">
+        <p14:creationId xmlns:p14="http://schemas.microsoft.com/office/powerpoint/2010/main" val="245120214"/>
+      </p:ext>
+    </p:extLst>
+  </p:cSld>
+  <p:clrMapOvr>
+    <a:masterClrMapping/>
+  </p:clrMapOvr>
+</p:notes>
+</file>
+
+<file path=ppt/notesSlides/notesSlide4.xml><?xml version="1.0" encoding="utf-8"?>
+<p:notes xmlns:a="http://schemas.openxmlformats.org/drawingml/2006/main" xmlns:r="http://schemas.openxmlformats.org/officeDocument/2006/relationships" xmlns:p="http://schemas.openxmlformats.org/presentationml/2006/main">
+  <p:cSld>
+    <p:spTree>
+      <p:nvGrpSpPr>
+        <p:cNvPr id="1" name=""/>
+        <p:cNvGrpSpPr/>
+        <p:nvPr/>
+      </p:nvGrpSpPr>
+      <p:grpSpPr>
+        <a:xfrm>
+          <a:off x="0" y="0"/>
+          <a:ext cx="0" cy="0"/>
+          <a:chOff x="0" y="0"/>
+          <a:chExt cx="0" cy="0"/>
+        </a:xfrm>
+      </p:grpSpPr>
+      <p:sp>
+        <p:nvSpPr>
+          <p:cNvPr id="2" name="Segnaposto immagine diapositiva 1"/>
+          <p:cNvSpPr>
+            <a:spLocks noGrp="1" noRot="1" noChangeAspect="1"/>
+          </p:cNvSpPr>
+          <p:nvPr>
+            <p:ph type="sldImg"/>
+          </p:nvPr>
+        </p:nvSpPr>
+        <p:spPr/>
+      </p:sp>
+      <p:sp>
+        <p:nvSpPr>
+          <p:cNvPr id="3" name="Segnaposto note 2"/>
+          <p:cNvSpPr>
+            <a:spLocks noGrp="1"/>
+          </p:cNvSpPr>
+          <p:nvPr>
+            <p:ph type="body" idx="1"/>
+          </p:nvPr>
+        </p:nvSpPr>
+        <p:spPr/>
+        <p:txBody>
+          <a:bodyPr/>
+          <a:lstStyle/>
+          <a:p>
+            <a:endParaRPr lang="it-IT"/>
+          </a:p>
+        </p:txBody>
+      </p:sp>
+      <p:sp>
+        <p:nvSpPr>
+          <p:cNvPr id="4" name="Segnaposto numero diapositiva 3"/>
+          <p:cNvSpPr>
+            <a:spLocks noGrp="1"/>
+          </p:cNvSpPr>
+          <p:nvPr>
+            <p:ph type="sldNum" sz="quarter" idx="10"/>
+          </p:nvPr>
+        </p:nvSpPr>
+        <p:spPr/>
+        <p:txBody>
+          <a:bodyPr/>
+          <a:lstStyle/>
+          <a:p>
+            <a:fld id="{2D9D74C2-F535-4A47-8B08-B66775F5B8AA}" type="slidenum">
+              <a:rPr lang="it-IT" smtClean="0"/>
+              <a:t>8</a:t>
+            </a:fld>
+            <a:endParaRPr lang="it-IT"/>
+          </a:p>
+        </p:txBody>
+      </p:sp>
+    </p:spTree>
+    <p:extLst>
+      <p:ext uri="{BB962C8B-B14F-4D97-AF65-F5344CB8AC3E}">
+        <p14:creationId xmlns:p14="http://schemas.microsoft.com/office/powerpoint/2010/main" val="757956805"/>
+      </p:ext>
+    </p:extLst>
+  </p:cSld>
+  <p:clrMapOvr>
+    <a:masterClrMapping/>
+  </p:clrMapOvr>
+</p:notes>
+</file>
+
+<file path=ppt/notesSlides/notesSlide5.xml><?xml version="1.0" encoding="utf-8"?>
+<p:notes xmlns:a="http://schemas.openxmlformats.org/drawingml/2006/main" xmlns:r="http://schemas.openxmlformats.org/officeDocument/2006/relationships" xmlns:p="http://schemas.openxmlformats.org/presentationml/2006/main">
+  <p:cSld>
+    <p:spTree>
+      <p:nvGrpSpPr>
+        <p:cNvPr id="1" name=""/>
+        <p:cNvGrpSpPr/>
+        <p:nvPr/>
+      </p:nvGrpSpPr>
+      <p:grpSpPr>
+        <a:xfrm>
+          <a:off x="0" y="0"/>
+          <a:ext cx="0" cy="0"/>
+          <a:chOff x="0" y="0"/>
+          <a:chExt cx="0" cy="0"/>
+        </a:xfrm>
+      </p:grpSpPr>
+      <p:sp>
+        <p:nvSpPr>
+          <p:cNvPr id="2" name="Segnaposto immagine diapositiva 1"/>
+          <p:cNvSpPr>
+            <a:spLocks noGrp="1" noRot="1" noChangeAspect="1"/>
+          </p:cNvSpPr>
+          <p:nvPr>
+            <p:ph type="sldImg"/>
+          </p:nvPr>
+        </p:nvSpPr>
+        <p:spPr/>
+      </p:sp>
+      <p:sp>
+        <p:nvSpPr>
+          <p:cNvPr id="3" name="Segnaposto note 2"/>
+          <p:cNvSpPr>
+            <a:spLocks noGrp="1"/>
+          </p:cNvSpPr>
+          <p:nvPr>
+            <p:ph type="body" idx="1"/>
+          </p:nvPr>
+        </p:nvSpPr>
+        <p:spPr/>
+        <p:txBody>
+          <a:bodyPr/>
+          <a:lstStyle/>
+          <a:p>
+            <a:endParaRPr lang="it-IT"/>
+          </a:p>
+        </p:txBody>
+      </p:sp>
+      <p:sp>
+        <p:nvSpPr>
+          <p:cNvPr id="4" name="Segnaposto numero diapositiva 3"/>
+          <p:cNvSpPr>
+            <a:spLocks noGrp="1"/>
+          </p:cNvSpPr>
+          <p:nvPr>
+            <p:ph type="sldNum" sz="quarter" idx="10"/>
+          </p:nvPr>
+        </p:nvSpPr>
+        <p:spPr/>
+        <p:txBody>
+          <a:bodyPr/>
+          <a:lstStyle/>
+          <a:p>
+            <a:fld id="{2D9D74C2-F535-4A47-8B08-B66775F5B8AA}" type="slidenum">
+              <a:rPr lang="it-IT" smtClean="0"/>
+              <a:t>13</a:t>
+            </a:fld>
+            <a:endParaRPr lang="it-IT"/>
+          </a:p>
+        </p:txBody>
+      </p:sp>
+    </p:spTree>
+    <p:extLst>
+      <p:ext uri="{BB962C8B-B14F-4D97-AF65-F5344CB8AC3E}">
+        <p14:creationId xmlns:p14="http://schemas.microsoft.com/office/powerpoint/2010/main" val="921084571"/>
+      </p:ext>
+    </p:extLst>
+  </p:cSld>
+  <p:clrMapOvr>
+    <a:masterClrMapping/>
+  </p:clrMapOvr>
+</p:notes>
+</file>
+
+<file path=ppt/notesSlides/notesSlide6.xml><?xml version="1.0" encoding="utf-8"?>
+<p:notes xmlns:a="http://schemas.openxmlformats.org/drawingml/2006/main" xmlns:r="http://schemas.openxmlformats.org/officeDocument/2006/relationships" xmlns:p="http://schemas.openxmlformats.org/presentationml/2006/main">
+  <p:cSld>
+    <p:spTree>
+      <p:nvGrpSpPr>
+        <p:cNvPr id="1" name=""/>
+        <p:cNvGrpSpPr/>
+        <p:nvPr/>
+      </p:nvGrpSpPr>
+      <p:grpSpPr>
+        <a:xfrm>
+          <a:off x="0" y="0"/>
+          <a:ext cx="0" cy="0"/>
+          <a:chOff x="0" y="0"/>
+          <a:chExt cx="0" cy="0"/>
+        </a:xfrm>
+      </p:grpSpPr>
+      <p:sp>
+        <p:nvSpPr>
+          <p:cNvPr id="2" name="Segnaposto immagine diapositiva 1"/>
+          <p:cNvSpPr>
+            <a:spLocks noGrp="1" noRot="1" noChangeAspect="1"/>
+          </p:cNvSpPr>
+          <p:nvPr>
+            <p:ph type="sldImg"/>
+          </p:nvPr>
+        </p:nvSpPr>
+        <p:spPr/>
+      </p:sp>
+      <p:sp>
+        <p:nvSpPr>
+          <p:cNvPr id="3" name="Segnaposto note 2"/>
+          <p:cNvSpPr>
+            <a:spLocks noGrp="1"/>
+          </p:cNvSpPr>
+          <p:nvPr>
+            <p:ph type="body" idx="1"/>
+          </p:nvPr>
+        </p:nvSpPr>
+        <p:spPr/>
+        <p:txBody>
+          <a:bodyPr/>
+          <a:lstStyle/>
+          <a:p>
+            <a:endParaRPr lang="it-IT"/>
+          </a:p>
+        </p:txBody>
+      </p:sp>
+      <p:sp>
+        <p:nvSpPr>
+          <p:cNvPr id="4" name="Segnaposto numero diapositiva 3"/>
+          <p:cNvSpPr>
+            <a:spLocks noGrp="1"/>
+          </p:cNvSpPr>
+          <p:nvPr>
+            <p:ph type="sldNum" sz="quarter" idx="10"/>
+          </p:nvPr>
+        </p:nvSpPr>
+        <p:spPr/>
+        <p:txBody>
+          <a:bodyPr/>
+          <a:lstStyle/>
+          <a:p>
+            <a:fld id="{2D9D74C2-F535-4A47-8B08-B66775F5B8AA}" type="slidenum">
+              <a:rPr lang="it-IT" smtClean="0"/>
+              <a:t>14</a:t>
+            </a:fld>
+            <a:endParaRPr lang="it-IT"/>
+          </a:p>
+        </p:txBody>
+      </p:sp>
+    </p:spTree>
+    <p:extLst>
+      <p:ext uri="{BB962C8B-B14F-4D97-AF65-F5344CB8AC3E}">
+        <p14:creationId xmlns:p14="http://schemas.microsoft.com/office/powerpoint/2010/main" val="584604799"/>
       </p:ext>
     </p:extLst>
   </p:cSld>
@@ -690,9 +1113,9 @@
           <a:bodyPr/>
           <a:lstStyle/>
           <a:p>
-            <a:fld id="{70503AA8-56D3-4D76-A6D7-AB1CA95B4E45}" type="datetimeFigureOut">
+            <a:fld id="{EF8F9F9C-E886-487E-8EF3-DC76017633A6}" type="datetime1">
               <a:rPr lang="en-US" smtClean="0"/>
-              <a:t>7/14/2019</a:t>
+              <a:t>7/16/2019</a:t>
             </a:fld>
             <a:endParaRPr lang="en-US"/>
           </a:p>
@@ -860,9 +1283,9 @@
           <a:bodyPr/>
           <a:lstStyle/>
           <a:p>
-            <a:fld id="{70503AA8-56D3-4D76-A6D7-AB1CA95B4E45}" type="datetimeFigureOut">
+            <a:fld id="{9B8F2618-9963-45F5-A279-D97E7E0673DB}" type="datetime1">
               <a:rPr lang="en-US" smtClean="0"/>
-              <a:t>7/14/2019</a:t>
+              <a:t>7/16/2019</a:t>
             </a:fld>
             <a:endParaRPr lang="en-US"/>
           </a:p>
@@ -1040,9 +1463,9 @@
           <a:bodyPr/>
           <a:lstStyle/>
           <a:p>
-            <a:fld id="{70503AA8-56D3-4D76-A6D7-AB1CA95B4E45}" type="datetimeFigureOut">
+            <a:fld id="{DDDE2D8C-3DB2-4A27-8241-D498BC78887F}" type="datetime1">
               <a:rPr lang="en-US" smtClean="0"/>
-              <a:t>7/14/2019</a:t>
+              <a:t>7/16/2019</a:t>
             </a:fld>
             <a:endParaRPr lang="en-US"/>
           </a:p>
@@ -1210,9 +1633,9 @@
           <a:bodyPr/>
           <a:lstStyle/>
           <a:p>
-            <a:fld id="{70503AA8-56D3-4D76-A6D7-AB1CA95B4E45}" type="datetimeFigureOut">
+            <a:fld id="{27EE8B1F-B85F-4B67-9E78-CF9066870141}" type="datetime1">
               <a:rPr lang="en-US" smtClean="0"/>
-              <a:t>7/14/2019</a:t>
+              <a:t>7/16/2019</a:t>
             </a:fld>
             <a:endParaRPr lang="en-US"/>
           </a:p>
@@ -1456,9 +1879,9 @@
           <a:bodyPr/>
           <a:lstStyle/>
           <a:p>
-            <a:fld id="{70503AA8-56D3-4D76-A6D7-AB1CA95B4E45}" type="datetimeFigureOut">
+            <a:fld id="{9C2ECD4E-676B-4719-A999-9099C05F986C}" type="datetime1">
               <a:rPr lang="en-US" smtClean="0"/>
-              <a:t>7/14/2019</a:t>
+              <a:t>7/16/2019</a:t>
             </a:fld>
             <a:endParaRPr lang="en-US"/>
           </a:p>
@@ -1688,9 +2111,9 @@
           <a:bodyPr/>
           <a:lstStyle/>
           <a:p>
-            <a:fld id="{70503AA8-56D3-4D76-A6D7-AB1CA95B4E45}" type="datetimeFigureOut">
+            <a:fld id="{44E6D939-F6A1-41C0-9508-9E4062B56ADF}" type="datetime1">
               <a:rPr lang="en-US" smtClean="0"/>
-              <a:t>7/14/2019</a:t>
+              <a:t>7/16/2019</a:t>
             </a:fld>
             <a:endParaRPr lang="en-US"/>
           </a:p>
@@ -2055,9 +2478,9 @@
           <a:bodyPr/>
           <a:lstStyle/>
           <a:p>
-            <a:fld id="{70503AA8-56D3-4D76-A6D7-AB1CA95B4E45}" type="datetimeFigureOut">
+            <a:fld id="{92454053-21E2-47EC-8BE1-26323F543C23}" type="datetime1">
               <a:rPr lang="en-US" smtClean="0"/>
-              <a:t>7/14/2019</a:t>
+              <a:t>7/16/2019</a:t>
             </a:fld>
             <a:endParaRPr lang="en-US"/>
           </a:p>
@@ -2173,9 +2596,9 @@
           <a:bodyPr/>
           <a:lstStyle/>
           <a:p>
-            <a:fld id="{70503AA8-56D3-4D76-A6D7-AB1CA95B4E45}" type="datetimeFigureOut">
+            <a:fld id="{E1A06F78-8092-491E-B7CC-1FC6C9F8A807}" type="datetime1">
               <a:rPr lang="en-US" smtClean="0"/>
-              <a:t>7/14/2019</a:t>
+              <a:t>7/16/2019</a:t>
             </a:fld>
             <a:endParaRPr lang="en-US"/>
           </a:p>
@@ -2268,9 +2691,9 @@
           <a:bodyPr/>
           <a:lstStyle/>
           <a:p>
-            <a:fld id="{70503AA8-56D3-4D76-A6D7-AB1CA95B4E45}" type="datetimeFigureOut">
+            <a:fld id="{80CCC977-96A5-47DC-BCC4-E71EB3421BE5}" type="datetime1">
               <a:rPr lang="en-US" smtClean="0"/>
-              <a:t>7/14/2019</a:t>
+              <a:t>7/16/2019</a:t>
             </a:fld>
             <a:endParaRPr lang="en-US"/>
           </a:p>
@@ -2545,9 +2968,9 @@
           <a:bodyPr/>
           <a:lstStyle/>
           <a:p>
-            <a:fld id="{70503AA8-56D3-4D76-A6D7-AB1CA95B4E45}" type="datetimeFigureOut">
+            <a:fld id="{710415EC-E04D-40AC-9934-D3FEA1118422}" type="datetime1">
               <a:rPr lang="en-US" smtClean="0"/>
-              <a:t>7/14/2019</a:t>
+              <a:t>7/16/2019</a:t>
             </a:fld>
             <a:endParaRPr lang="en-US"/>
           </a:p>
@@ -2798,9 +3221,9 @@
           <a:bodyPr/>
           <a:lstStyle/>
           <a:p>
-            <a:fld id="{70503AA8-56D3-4D76-A6D7-AB1CA95B4E45}" type="datetimeFigureOut">
+            <a:fld id="{6587A3A1-630D-421D-A6BE-02DE768283E2}" type="datetime1">
               <a:rPr lang="en-US" smtClean="0"/>
-              <a:t>7/14/2019</a:t>
+              <a:t>7/16/2019</a:t>
             </a:fld>
             <a:endParaRPr lang="en-US"/>
           </a:p>
@@ -3011,9 +3434,9 @@
             </a:lvl1pPr>
           </a:lstStyle>
           <a:p>
-            <a:fld id="{70503AA8-56D3-4D76-A6D7-AB1CA95B4E45}" type="datetimeFigureOut">
+            <a:fld id="{62A65052-046D-47CE-8966-8F429BF45855}" type="datetime1">
               <a:rPr lang="en-US" smtClean="0"/>
-              <a:t>7/14/2019</a:t>
+              <a:t>7/16/2019</a:t>
             </a:fld>
             <a:endParaRPr lang="en-US"/>
           </a:p>
@@ -3118,6 +3541,7 @@
     <p:sldLayoutId id="2147483658" r:id="rId10"/>
     <p:sldLayoutId id="2147483659" r:id="rId11"/>
   </p:sldLayoutIdLst>
+  <p:hf hdr="0" ftr="0" dt="0"/>
   <p:txStyles>
     <p:titleStyle>
       <a:lvl1pPr algn="l" defTabSz="914400" rtl="0" eaLnBrk="1" latinLnBrk="0" hangingPunct="1">
@@ -3644,6 +4068,14 @@
   <p:clrMapOvr>
     <a:masterClrMapping/>
   </p:clrMapOvr>
+  <mc:AlternateContent xmlns:mc="http://schemas.openxmlformats.org/markup-compatibility/2006">
+    <mc:Choice xmlns:p14="http://schemas.microsoft.com/office/powerpoint/2010/main" Requires="p14">
+      <p:transition spd="slow" p14:dur="2000" advTm="18183"/>
+    </mc:Choice>
+    <mc:Fallback>
+      <p:transition spd="slow" advTm="18183"/>
+    </mc:Fallback>
+  </mc:AlternateContent>
   <p:timing>
     <p:tnLst>
       <p:par>
@@ -3688,16 +4120,8 @@
           <a:p>
             <a:pPr algn="ctr"/>
             <a:r>
-              <a:rPr lang="it-IT" dirty="0" err="1" smtClean="0"/>
-              <a:t>IoT</a:t>
-            </a:r>
-            <a:r>
               <a:rPr lang="it-IT" dirty="0" smtClean="0"/>
-              <a:t> </a:t>
-            </a:r>
-            <a:r>
-              <a:rPr lang="it-IT" dirty="0" err="1" smtClean="0"/>
-              <a:t>trackers</a:t>
+              <a:t>Architettura</a:t>
             </a:r>
             <a:endParaRPr lang="it-IT" dirty="0"/>
           </a:p>
@@ -3705,104 +4129,121 @@
       </p:sp>
       <p:sp>
         <p:nvSpPr>
-          <p:cNvPr id="3" name="Segnaposto contenuto 2"/>
-          <p:cNvSpPr>
-            <a:spLocks noGrp="1"/>
-          </p:cNvSpPr>
+          <p:cNvPr id="3" name="Segnaposto numero diapositiva 2"/>
+          <p:cNvSpPr>
+            <a:spLocks noGrp="1"/>
+          </p:cNvSpPr>
+          <p:nvPr>
+            <p:ph type="sldNum" sz="quarter" idx="12"/>
+          </p:nvPr>
+        </p:nvSpPr>
+        <p:spPr/>
+        <p:txBody>
+          <a:bodyPr/>
+          <a:lstStyle/>
+          <a:p>
+            <a:r>
+              <a:rPr lang="en-US" dirty="0" smtClean="0"/>
+              <a:t>7</a:t>
+            </a:r>
+            <a:endParaRPr lang="en-US" dirty="0"/>
+          </a:p>
+        </p:txBody>
+      </p:sp>
+      <p:pic>
+        <p:nvPicPr>
+          <p:cNvPr id="5" name="Segnaposto contenuto 4"/>
+          <p:cNvPicPr>
+            <a:picLocks noGrp="1" noChangeAspect="1"/>
+          </p:cNvPicPr>
           <p:nvPr>
             <p:ph idx="1"/>
           </p:nvPr>
-        </p:nvSpPr>
-        <p:spPr/>
-        <p:txBody>
-          <a:bodyPr>
-            <a:normAutofit/>
+        </p:nvPicPr>
+        <p:blipFill>
+          <a:blip r:embed="rId2">
+            <a:extLst>
+              <a:ext uri="{28A0092B-C50C-407E-A947-70E740481C1C}">
+                <a14:useLocalDpi xmlns:a14="http://schemas.microsoft.com/office/drawing/2010/main" val="0"/>
+              </a:ext>
+            </a:extLst>
+          </a:blip>
+          <a:stretch>
+            <a:fillRect/>
+          </a:stretch>
+        </p:blipFill>
+        <p:spPr>
+          <a:xfrm>
+            <a:off x="838200" y="1690688"/>
+            <a:ext cx="6991271" cy="4351338"/>
+          </a:xfrm>
+        </p:spPr>
+      </p:pic>
+      <p:sp>
+        <p:nvSpPr>
+          <p:cNvPr id="7" name="CasellaDiTesto 6"/>
+          <p:cNvSpPr txBox="1"/>
+          <p:nvPr/>
+        </p:nvSpPr>
+        <p:spPr>
+          <a:xfrm>
+            <a:off x="8220035" y="4003426"/>
+            <a:ext cx="3524329" cy="1815882"/>
+          </a:xfrm>
+          <a:prstGeom prst="rect">
+            <a:avLst/>
+          </a:prstGeom>
+          <a:noFill/>
+        </p:spPr>
+        <p:txBody>
+          <a:bodyPr wrap="square" rtlCol="0">
+            <a:spAutoFit/>
           </a:bodyPr>
           <a:lstStyle/>
           <a:p>
-            <a:r>
-              <a:rPr lang="it-IT" sz="3200" dirty="0" smtClean="0">
-                <a:latin typeface="+mj-lt"/>
-              </a:rPr>
-              <a:t>Connettività</a:t>
-            </a:r>
-          </a:p>
-          <a:p>
-            <a:pPr lvl="1"/>
+            <a:pPr marL="457200" indent="-457200">
+              <a:buFont typeface="Arial" panose="020B0604020202020204" pitchFamily="34" charset="0"/>
+              <a:buChar char="•"/>
+            </a:pPr>
             <a:r>
               <a:rPr lang="it-IT" sz="2800" dirty="0" smtClean="0">
                 <a:latin typeface="+mj-lt"/>
               </a:rPr>
-              <a:t>BLE</a:t>
-            </a:r>
-          </a:p>
-          <a:p>
-            <a:pPr lvl="1"/>
+              <a:t>Controllo degli ID rilevati</a:t>
+            </a:r>
+          </a:p>
+          <a:p>
+            <a:pPr marL="457200" indent="-457200">
+              <a:buFont typeface="Arial" panose="020B0604020202020204" pitchFamily="34" charset="0"/>
+              <a:buChar char="•"/>
+            </a:pPr>
             <a:r>
               <a:rPr lang="it-IT" sz="2800" dirty="0" smtClean="0">
                 <a:latin typeface="+mj-lt"/>
               </a:rPr>
-              <a:t>Wi-Fi</a:t>
-            </a:r>
-          </a:p>
-          <a:p>
-            <a:pPr lvl="1"/>
-            <a:r>
-              <a:rPr lang="it-IT" sz="2800" dirty="0" smtClean="0">
-                <a:latin typeface="+mj-lt"/>
-              </a:rPr>
-              <a:t>NB-</a:t>
-            </a:r>
-            <a:r>
-              <a:rPr lang="it-IT" sz="2800" dirty="0" err="1" smtClean="0">
-                <a:latin typeface="+mj-lt"/>
-              </a:rPr>
-              <a:t>IoT</a:t>
-            </a:r>
-            <a:endParaRPr lang="it-IT" sz="2800" dirty="0" smtClean="0">
-              <a:latin typeface="+mj-lt"/>
-            </a:endParaRPr>
-          </a:p>
-          <a:p>
-            <a:r>
-              <a:rPr lang="it-IT" sz="3200" dirty="0">
-                <a:latin typeface="+mj-lt"/>
-              </a:rPr>
-              <a:t>Protocollo </a:t>
-            </a:r>
-            <a:r>
-              <a:rPr lang="it-IT" sz="3200" dirty="0" smtClean="0">
-                <a:latin typeface="+mj-lt"/>
-              </a:rPr>
-              <a:t>MQTT</a:t>
-            </a:r>
-            <a:endParaRPr lang="it-IT" sz="2800" dirty="0" smtClean="0">
-              <a:latin typeface="+mj-lt"/>
-            </a:endParaRPr>
-          </a:p>
-          <a:p>
-            <a:r>
-              <a:rPr lang="it-IT" sz="3200" dirty="0" err="1" smtClean="0">
-                <a:latin typeface="+mj-lt"/>
-              </a:rPr>
-              <a:t>Geolocalizzazione</a:t>
-            </a:r>
-            <a:endParaRPr lang="it-IT" sz="3200" dirty="0" smtClean="0">
-              <a:latin typeface="+mj-lt"/>
-            </a:endParaRPr>
+              <a:t>Invio transazione di conferma (dealer)</a:t>
+            </a:r>
           </a:p>
         </p:txBody>
       </p:sp>
     </p:spTree>
     <p:extLst>
       <p:ext uri="{BB962C8B-B14F-4D97-AF65-F5344CB8AC3E}">
-        <p14:creationId xmlns:p14="http://schemas.microsoft.com/office/powerpoint/2010/main" val="1059543490"/>
+        <p14:creationId xmlns:p14="http://schemas.microsoft.com/office/powerpoint/2010/main" val="1474200079"/>
       </p:ext>
     </p:extLst>
   </p:cSld>
   <p:clrMapOvr>
     <a:masterClrMapping/>
   </p:clrMapOvr>
+  <mc:AlternateContent xmlns:mc="http://schemas.openxmlformats.org/markup-compatibility/2006">
+    <mc:Choice xmlns:p14="http://schemas.microsoft.com/office/powerpoint/2010/main" Requires="p14">
+      <p:transition spd="slow" p14:dur="2000" advTm="10255"/>
+    </mc:Choice>
+    <mc:Fallback>
+      <p:transition spd="slow" advTm="10255"/>
+    </mc:Fallback>
+  </mc:AlternateContent>
   <p:timing>
     <p:tnLst>
       <p:par>
@@ -3848,11 +4289,7 @@
             <a:pPr algn="ctr"/>
             <a:r>
               <a:rPr lang="it-IT" dirty="0" smtClean="0"/>
-              <a:t>Web </a:t>
-            </a:r>
-            <a:r>
-              <a:rPr lang="it-IT" dirty="0" err="1" smtClean="0"/>
-              <a:t>interfaces</a:t>
+              <a:t>Architettura</a:t>
             </a:r>
             <a:endParaRPr lang="it-IT" dirty="0"/>
           </a:p>
@@ -3860,84 +4297,87 @@
       </p:sp>
       <p:sp>
         <p:nvSpPr>
-          <p:cNvPr id="3" name="Segnaposto contenuto 2"/>
-          <p:cNvSpPr>
-            <a:spLocks noGrp="1"/>
-          </p:cNvSpPr>
+          <p:cNvPr id="3" name="Segnaposto numero diapositiva 2"/>
+          <p:cNvSpPr>
+            <a:spLocks noGrp="1"/>
+          </p:cNvSpPr>
+          <p:nvPr>
+            <p:ph type="sldNum" sz="quarter" idx="12"/>
+          </p:nvPr>
+        </p:nvSpPr>
+        <p:spPr/>
+        <p:txBody>
+          <a:bodyPr/>
+          <a:lstStyle/>
+          <a:p>
+            <a:r>
+              <a:rPr lang="en-US" dirty="0" smtClean="0"/>
+              <a:t>7</a:t>
+            </a:r>
+            <a:endParaRPr lang="en-US" dirty="0"/>
+          </a:p>
+        </p:txBody>
+      </p:sp>
+      <p:pic>
+        <p:nvPicPr>
+          <p:cNvPr id="5" name="Segnaposto contenuto 4"/>
+          <p:cNvPicPr>
+            <a:picLocks noGrp="1" noChangeAspect="1"/>
+          </p:cNvPicPr>
           <p:nvPr>
             <p:ph idx="1"/>
           </p:nvPr>
-        </p:nvSpPr>
-        <p:spPr/>
-        <p:txBody>
-          <a:bodyPr>
-            <a:normAutofit/>
+        </p:nvPicPr>
+        <p:blipFill>
+          <a:blip r:embed="rId2">
+            <a:extLst>
+              <a:ext uri="{28A0092B-C50C-407E-A947-70E740481C1C}">
+                <a14:useLocalDpi xmlns:a14="http://schemas.microsoft.com/office/drawing/2010/main" val="0"/>
+              </a:ext>
+            </a:extLst>
+          </a:blip>
+          <a:stretch>
+            <a:fillRect/>
+          </a:stretch>
+        </p:blipFill>
+        <p:spPr>
+          <a:xfrm>
+            <a:off x="838200" y="1690688"/>
+            <a:ext cx="6991271" cy="4351338"/>
+          </a:xfrm>
+        </p:spPr>
+      </p:pic>
+      <p:sp>
+        <p:nvSpPr>
+          <p:cNvPr id="7" name="CasellaDiTesto 6"/>
+          <p:cNvSpPr txBox="1"/>
+          <p:nvPr/>
+        </p:nvSpPr>
+        <p:spPr>
+          <a:xfrm>
+            <a:off x="8220035" y="4003426"/>
+            <a:ext cx="3524329" cy="1384995"/>
+          </a:xfrm>
+          <a:prstGeom prst="rect">
+            <a:avLst/>
+          </a:prstGeom>
+          <a:noFill/>
+        </p:spPr>
+        <p:txBody>
+          <a:bodyPr wrap="square" rtlCol="0">
+            <a:spAutoFit/>
           </a:bodyPr>
           <a:lstStyle/>
           <a:p>
-            <a:pPr marL="514350" indent="-514350">
-              <a:buFont typeface="+mj-lt"/>
-              <a:buAutoNum type="arabicPeriod"/>
+            <a:pPr marL="457200" indent="-457200">
+              <a:buFont typeface="Arial" panose="020B0604020202020204" pitchFamily="34" charset="0"/>
+              <a:buChar char="•"/>
             </a:pPr>
-            <a:r>
-              <a:rPr lang="it-IT" sz="3200" dirty="0" smtClean="0">
-                <a:latin typeface="+mj-lt"/>
-              </a:rPr>
-              <a:t>Inserimento merce</a:t>
-            </a:r>
-            <a:endParaRPr lang="it-IT" sz="3200" dirty="0">
-              <a:latin typeface="+mj-lt"/>
-            </a:endParaRPr>
-          </a:p>
-          <a:p>
-            <a:pPr lvl="1"/>
             <a:r>
               <a:rPr lang="it-IT" sz="2800" dirty="0" smtClean="0">
                 <a:latin typeface="+mj-lt"/>
               </a:rPr>
-              <a:t>Entità mittente (azienda e-commerce, materie prime, ecc.)</a:t>
-            </a:r>
-          </a:p>
-          <a:p>
-            <a:pPr marL="514350" indent="-514350">
-              <a:buFont typeface="+mj-lt"/>
-              <a:buAutoNum type="arabicPeriod"/>
-            </a:pPr>
-            <a:r>
-              <a:rPr lang="it-IT" sz="3200" dirty="0" smtClean="0">
-                <a:latin typeface="+mj-lt"/>
-              </a:rPr>
-              <a:t>Conferma consegna</a:t>
-            </a:r>
-          </a:p>
-          <a:p>
-            <a:pPr lvl="1"/>
-            <a:r>
-              <a:rPr lang="it-IT" sz="2800" dirty="0" smtClean="0">
-                <a:latin typeface="+mj-lt"/>
-              </a:rPr>
-              <a:t>Punto di scambio</a:t>
-            </a:r>
-          </a:p>
-          <a:p>
-            <a:pPr marL="457200" indent="-457200">
-              <a:buFont typeface="+mj-lt"/>
-              <a:buAutoNum type="arabicPeriod"/>
-            </a:pPr>
-            <a:r>
-              <a:rPr lang="it-IT" sz="3200" dirty="0" smtClean="0">
-                <a:latin typeface="+mj-lt"/>
-              </a:rPr>
-              <a:t>Consultazione aggiornamenti</a:t>
-            </a:r>
-          </a:p>
-          <a:p>
-            <a:pPr lvl="1"/>
-            <a:r>
-              <a:rPr lang="it-IT" sz="2800" dirty="0" smtClean="0">
-                <a:latin typeface="+mj-lt"/>
-              </a:rPr>
-              <a:t>Ricevente finale</a:t>
+              <a:t>Conferma attraverso interfaccia web</a:t>
             </a:r>
           </a:p>
         </p:txBody>
@@ -3945,13 +4385,21 @@
     </p:spTree>
     <p:extLst>
       <p:ext uri="{BB962C8B-B14F-4D97-AF65-F5344CB8AC3E}">
-        <p14:creationId xmlns:p14="http://schemas.microsoft.com/office/powerpoint/2010/main" val="3381718929"/>
+        <p14:creationId xmlns:p14="http://schemas.microsoft.com/office/powerpoint/2010/main" val="3744355640"/>
       </p:ext>
     </p:extLst>
   </p:cSld>
   <p:clrMapOvr>
     <a:masterClrMapping/>
   </p:clrMapOvr>
+  <mc:AlternateContent xmlns:mc="http://schemas.openxmlformats.org/markup-compatibility/2006">
+    <mc:Choice xmlns:p14="http://schemas.microsoft.com/office/powerpoint/2010/main" Requires="p14">
+      <p:transition spd="slow" p14:dur="2000" advTm="15719"/>
+    </mc:Choice>
+    <mc:Fallback>
+      <p:transition spd="slow" advTm="15719"/>
+    </mc:Fallback>
+  </mc:AlternateContent>
   <p:timing>
     <p:tnLst>
       <p:par>
@@ -3981,7 +4429,7 @@
       </p:grpSpPr>
       <p:sp>
         <p:nvSpPr>
-          <p:cNvPr id="5" name="Titolo 4"/>
+          <p:cNvPr id="2" name="Titolo 1"/>
           <p:cNvSpPr>
             <a:spLocks noGrp="1"/>
           </p:cNvSpPr>
@@ -3997,7 +4445,7 @@
             <a:pPr algn="ctr"/>
             <a:r>
               <a:rPr lang="it-IT" dirty="0" smtClean="0"/>
-              <a:t>Considerazioni</a:t>
+              <a:t>Architettura</a:t>
             </a:r>
             <a:endParaRPr lang="it-IT" dirty="0"/>
           </a:p>
@@ -4005,110 +4453,87 @@
       </p:sp>
       <p:sp>
         <p:nvSpPr>
-          <p:cNvPr id="6" name="Segnaposto contenuto 5"/>
-          <p:cNvSpPr>
-            <a:spLocks noGrp="1"/>
-          </p:cNvSpPr>
+          <p:cNvPr id="5" name="Segnaposto numero diapositiva 4"/>
+          <p:cNvSpPr>
+            <a:spLocks noGrp="1"/>
+          </p:cNvSpPr>
+          <p:nvPr>
+            <p:ph type="sldNum" sz="quarter" idx="12"/>
+          </p:nvPr>
+        </p:nvSpPr>
+        <p:spPr/>
+        <p:txBody>
+          <a:bodyPr/>
+          <a:lstStyle/>
+          <a:p>
+            <a:r>
+              <a:rPr lang="en-US" dirty="0" smtClean="0"/>
+              <a:t>7</a:t>
+            </a:r>
+            <a:endParaRPr lang="en-US" dirty="0"/>
+          </a:p>
+        </p:txBody>
+      </p:sp>
+      <p:pic>
+        <p:nvPicPr>
+          <p:cNvPr id="7" name="Segnaposto contenuto 6"/>
+          <p:cNvPicPr>
+            <a:picLocks noGrp="1" noChangeAspect="1"/>
+          </p:cNvPicPr>
           <p:nvPr>
             <p:ph idx="1"/>
           </p:nvPr>
-        </p:nvSpPr>
-        <p:spPr/>
-        <p:txBody>
-          <a:bodyPr>
-            <a:normAutofit/>
+        </p:nvPicPr>
+        <p:blipFill>
+          <a:blip r:embed="rId2">
+            <a:extLst>
+              <a:ext uri="{28A0092B-C50C-407E-A947-70E740481C1C}">
+                <a14:useLocalDpi xmlns:a14="http://schemas.microsoft.com/office/drawing/2010/main" val="0"/>
+              </a:ext>
+            </a:extLst>
+          </a:blip>
+          <a:stretch>
+            <a:fillRect/>
+          </a:stretch>
+        </p:blipFill>
+        <p:spPr>
+          <a:xfrm>
+            <a:off x="838200" y="1690688"/>
+            <a:ext cx="6982167" cy="4351338"/>
+          </a:xfrm>
+        </p:spPr>
+      </p:pic>
+      <p:sp>
+        <p:nvSpPr>
+          <p:cNvPr id="9" name="CasellaDiTesto 8"/>
+          <p:cNvSpPr txBox="1"/>
+          <p:nvPr/>
+        </p:nvSpPr>
+        <p:spPr>
+          <a:xfrm>
+            <a:off x="8220035" y="4003426"/>
+            <a:ext cx="3524329" cy="1384995"/>
+          </a:xfrm>
+          <a:prstGeom prst="rect">
+            <a:avLst/>
+          </a:prstGeom>
+          <a:noFill/>
+        </p:spPr>
+        <p:txBody>
+          <a:bodyPr wrap="square" rtlCol="0">
+            <a:spAutoFit/>
           </a:bodyPr>
           <a:lstStyle/>
           <a:p>
-            <a:r>
-              <a:rPr lang="it-IT" sz="3200" dirty="0" smtClean="0">
-                <a:latin typeface="+mj-lt"/>
-              </a:rPr>
-              <a:t>Limiti</a:t>
-            </a:r>
-          </a:p>
-          <a:p>
-            <a:pPr lvl="1"/>
-            <a:r>
-              <a:rPr lang="it-IT" sz="2800" dirty="0">
-                <a:latin typeface="+mj-lt"/>
-              </a:rPr>
-              <a:t>Falsi positivi in registro immutabile</a:t>
-            </a:r>
-          </a:p>
-          <a:p>
-            <a:pPr lvl="1"/>
-            <a:r>
-              <a:rPr lang="it-IT" sz="2800" dirty="0">
-                <a:latin typeface="+mj-lt"/>
-              </a:rPr>
-              <a:t>Automatizzazione solo </a:t>
-            </a:r>
+            <a:pPr marL="457200" indent="-457200">
+              <a:buFont typeface="Arial" panose="020B0604020202020204" pitchFamily="34" charset="0"/>
+              <a:buChar char="•"/>
+            </a:pPr>
             <a:r>
               <a:rPr lang="it-IT" sz="2800" dirty="0" smtClean="0">
                 <a:latin typeface="+mj-lt"/>
               </a:rPr>
-              <a:t>parziale</a:t>
-            </a:r>
-          </a:p>
-          <a:p>
-            <a:pPr marL="457200" lvl="1" indent="0">
-              <a:buNone/>
-            </a:pPr>
-            <a:endParaRPr lang="it-IT" sz="2800" dirty="0">
-              <a:latin typeface="+mj-lt"/>
-            </a:endParaRPr>
-          </a:p>
-          <a:p>
-            <a:r>
-              <a:rPr lang="it-IT" sz="3200" dirty="0" smtClean="0">
-                <a:latin typeface="+mj-lt"/>
-              </a:rPr>
-              <a:t>Estensioni</a:t>
-            </a:r>
-          </a:p>
-          <a:p>
-            <a:pPr lvl="1">
-              <a:lnSpc>
-                <a:spcPct val="100000"/>
-              </a:lnSpc>
-            </a:pPr>
-            <a:r>
-              <a:rPr lang="it-IT" sz="2800" dirty="0">
-                <a:latin typeface="+mj-lt"/>
-              </a:rPr>
-              <a:t>Servizio di </a:t>
-            </a:r>
-            <a:r>
-              <a:rPr lang="it-IT" sz="2800" dirty="0" err="1">
-                <a:latin typeface="+mj-lt"/>
-              </a:rPr>
-              <a:t>tracking</a:t>
-            </a:r>
-            <a:r>
-              <a:rPr lang="it-IT" sz="2800" dirty="0">
-                <a:latin typeface="+mj-lt"/>
-              </a:rPr>
-              <a:t> dei veicoli</a:t>
-            </a:r>
-          </a:p>
-          <a:p>
-            <a:pPr lvl="1">
-              <a:lnSpc>
-                <a:spcPct val="100000"/>
-              </a:lnSpc>
-            </a:pPr>
-            <a:r>
-              <a:rPr lang="it-IT" sz="2800" dirty="0">
-                <a:latin typeface="+mj-lt"/>
-              </a:rPr>
-              <a:t>Ulteriori </a:t>
-            </a:r>
-            <a:r>
-              <a:rPr lang="it-IT" sz="2800" dirty="0" smtClean="0">
-                <a:latin typeface="+mj-lt"/>
-              </a:rPr>
-              <a:t>scambi</a:t>
+              <a:t>Invio transazione di conferma (punto di scambio)</a:t>
             </a:r>
           </a:p>
         </p:txBody>
@@ -4116,13 +4541,28 @@
     </p:spTree>
     <p:extLst>
       <p:ext uri="{BB962C8B-B14F-4D97-AF65-F5344CB8AC3E}">
-        <p14:creationId xmlns:p14="http://schemas.microsoft.com/office/powerpoint/2010/main" val="1503604267"/>
+        <p14:creationId xmlns:p14="http://schemas.microsoft.com/office/powerpoint/2010/main" val="1954197972"/>
       </p:ext>
     </p:extLst>
   </p:cSld>
   <p:clrMapOvr>
     <a:masterClrMapping/>
   </p:clrMapOvr>
+  <mc:AlternateContent xmlns:mc="http://schemas.openxmlformats.org/markup-compatibility/2006">
+    <mc:Choice xmlns:p14="http://schemas.microsoft.com/office/powerpoint/2010/main" Requires="p14">
+      <p:transition spd="slow" p14:dur="2000" advTm="5794"/>
+    </mc:Choice>
+    <mc:Fallback>
+      <p:transition spd="slow" advTm="5794"/>
+    </mc:Fallback>
+  </mc:AlternateContent>
+  <p:timing>
+    <p:tnLst>
+      <p:par>
+        <p:cTn id="1" dur="indefinite" restart="never" nodeType="tmRoot"/>
+      </p:par>
+    </p:tnLst>
+  </p:timing>
 </p:sld>
 </file>
 
@@ -4145,37 +4585,704 @@
       </p:grpSpPr>
       <p:sp>
         <p:nvSpPr>
-          <p:cNvPr id="4" name="Titolo 3"/>
-          <p:cNvSpPr>
-            <a:spLocks noGrp="1"/>
-          </p:cNvSpPr>
-          <p:nvPr>
-            <p:ph type="ctrTitle"/>
-          </p:nvPr>
-        </p:nvSpPr>
-        <p:spPr/>
-        <p:txBody>
-          <a:bodyPr/>
-          <a:lstStyle/>
-          <a:p>
+          <p:cNvPr id="2" name="Titolo 1"/>
+          <p:cNvSpPr>
+            <a:spLocks noGrp="1"/>
+          </p:cNvSpPr>
+          <p:nvPr>
+            <p:ph type="title"/>
+          </p:nvPr>
+        </p:nvSpPr>
+        <p:spPr/>
+        <p:txBody>
+          <a:bodyPr/>
+          <a:lstStyle/>
+          <a:p>
+            <a:pPr algn="ctr"/>
             <a:r>
               <a:rPr lang="it-IT" dirty="0" smtClean="0"/>
-              <a:t>Grazie per l’attenzione.</a:t>
+              <a:t>Architettura</a:t>
             </a:r>
             <a:endParaRPr lang="it-IT" dirty="0"/>
           </a:p>
         </p:txBody>
       </p:sp>
+      <p:sp>
+        <p:nvSpPr>
+          <p:cNvPr id="3" name="Segnaposto numero diapositiva 2"/>
+          <p:cNvSpPr>
+            <a:spLocks noGrp="1"/>
+          </p:cNvSpPr>
+          <p:nvPr>
+            <p:ph type="sldNum" sz="quarter" idx="12"/>
+          </p:nvPr>
+        </p:nvSpPr>
+        <p:spPr/>
+        <p:txBody>
+          <a:bodyPr/>
+          <a:lstStyle/>
+          <a:p>
+            <a:r>
+              <a:rPr lang="en-US" dirty="0" smtClean="0"/>
+              <a:t>7</a:t>
+            </a:r>
+          </a:p>
+        </p:txBody>
+      </p:sp>
+      <p:sp>
+        <p:nvSpPr>
+          <p:cNvPr id="7" name="CasellaDiTesto 6"/>
+          <p:cNvSpPr txBox="1"/>
+          <p:nvPr/>
+        </p:nvSpPr>
+        <p:spPr>
+          <a:xfrm>
+            <a:off x="8220035" y="4003426"/>
+            <a:ext cx="3524329" cy="954107"/>
+          </a:xfrm>
+          <a:prstGeom prst="rect">
+            <a:avLst/>
+          </a:prstGeom>
+          <a:noFill/>
+        </p:spPr>
+        <p:txBody>
+          <a:bodyPr wrap="square" rtlCol="0">
+            <a:spAutoFit/>
+          </a:bodyPr>
+          <a:lstStyle/>
+          <a:p>
+            <a:pPr marL="457200" indent="-457200">
+              <a:buFont typeface="Arial" panose="020B0604020202020204" pitchFamily="34" charset="0"/>
+              <a:buChar char="•"/>
+            </a:pPr>
+            <a:r>
+              <a:rPr lang="it-IT" sz="2800" dirty="0" smtClean="0">
+                <a:latin typeface="+mj-lt"/>
+              </a:rPr>
+              <a:t>Controllo sullo stato della consegna</a:t>
+            </a:r>
+          </a:p>
+        </p:txBody>
+      </p:sp>
+      <p:pic>
+        <p:nvPicPr>
+          <p:cNvPr id="6" name="Segnaposto contenuto 5"/>
+          <p:cNvPicPr>
+            <a:picLocks noGrp="1" noChangeAspect="1"/>
+          </p:cNvPicPr>
+          <p:nvPr>
+            <p:ph idx="1"/>
+          </p:nvPr>
+        </p:nvPicPr>
+        <p:blipFill>
+          <a:blip r:embed="rId3">
+            <a:extLst>
+              <a:ext uri="{28A0092B-C50C-407E-A947-70E740481C1C}">
+                <a14:useLocalDpi xmlns:a14="http://schemas.microsoft.com/office/drawing/2010/main" val="0"/>
+              </a:ext>
+            </a:extLst>
+          </a:blip>
+          <a:stretch>
+            <a:fillRect/>
+          </a:stretch>
+        </p:blipFill>
+        <p:spPr>
+          <a:xfrm>
+            <a:off x="838200" y="1690688"/>
+            <a:ext cx="6991271" cy="4351338"/>
+          </a:xfrm>
+        </p:spPr>
+      </p:pic>
     </p:spTree>
     <p:extLst>
       <p:ext uri="{BB962C8B-B14F-4D97-AF65-F5344CB8AC3E}">
-        <p14:creationId xmlns:p14="http://schemas.microsoft.com/office/powerpoint/2010/main" val="2346500658"/>
+        <p14:creationId xmlns:p14="http://schemas.microsoft.com/office/powerpoint/2010/main" val="2013825587"/>
       </p:ext>
     </p:extLst>
   </p:cSld>
   <p:clrMapOvr>
     <a:masterClrMapping/>
   </p:clrMapOvr>
+  <mc:AlternateContent xmlns:mc="http://schemas.openxmlformats.org/markup-compatibility/2006">
+    <mc:Choice xmlns:p14="http://schemas.microsoft.com/office/powerpoint/2010/main" Requires="p14">
+      <p:transition spd="slow" p14:dur="2000" advTm="18128"/>
+    </mc:Choice>
+    <mc:Fallback>
+      <p:transition spd="slow" advTm="18128"/>
+    </mc:Fallback>
+  </mc:AlternateContent>
+  <p:timing>
+    <p:tnLst>
+      <p:par>
+        <p:cTn id="1" dur="indefinite" restart="never" nodeType="tmRoot"/>
+      </p:par>
+    </p:tnLst>
+  </p:timing>
+</p:sld>
+</file>
+
+<file path=ppt/slides/slide14.xml><?xml version="1.0" encoding="utf-8"?>
+<p:sld xmlns:a="http://schemas.openxmlformats.org/drawingml/2006/main" xmlns:r="http://schemas.openxmlformats.org/officeDocument/2006/relationships" xmlns:p="http://schemas.openxmlformats.org/presentationml/2006/main">
+  <p:cSld>
+    <p:spTree>
+      <p:nvGrpSpPr>
+        <p:cNvPr id="1" name=""/>
+        <p:cNvGrpSpPr/>
+        <p:nvPr/>
+      </p:nvGrpSpPr>
+      <p:grpSpPr>
+        <a:xfrm>
+          <a:off x="0" y="0"/>
+          <a:ext cx="0" cy="0"/>
+          <a:chOff x="0" y="0"/>
+          <a:chExt cx="0" cy="0"/>
+        </a:xfrm>
+      </p:grpSpPr>
+      <p:sp>
+        <p:nvSpPr>
+          <p:cNvPr id="2" name="Titolo 1"/>
+          <p:cNvSpPr>
+            <a:spLocks noGrp="1"/>
+          </p:cNvSpPr>
+          <p:nvPr>
+            <p:ph type="title"/>
+          </p:nvPr>
+        </p:nvSpPr>
+        <p:spPr/>
+        <p:txBody>
+          <a:bodyPr/>
+          <a:lstStyle/>
+          <a:p>
+            <a:pPr algn="ctr"/>
+            <a:r>
+              <a:rPr lang="it-IT" dirty="0" err="1" smtClean="0"/>
+              <a:t>IoT</a:t>
+            </a:r>
+            <a:r>
+              <a:rPr lang="it-IT" dirty="0" smtClean="0"/>
+              <a:t> </a:t>
+            </a:r>
+            <a:r>
+              <a:rPr lang="it-IT" dirty="0" err="1" smtClean="0"/>
+              <a:t>trackers</a:t>
+            </a:r>
+            <a:endParaRPr lang="it-IT" dirty="0"/>
+          </a:p>
+        </p:txBody>
+      </p:sp>
+      <p:sp>
+        <p:nvSpPr>
+          <p:cNvPr id="3" name="Segnaposto contenuto 2"/>
+          <p:cNvSpPr>
+            <a:spLocks noGrp="1"/>
+          </p:cNvSpPr>
+          <p:nvPr>
+            <p:ph idx="1"/>
+          </p:nvPr>
+        </p:nvSpPr>
+        <p:spPr/>
+        <p:txBody>
+          <a:bodyPr>
+            <a:normAutofit/>
+          </a:bodyPr>
+          <a:lstStyle/>
+          <a:p>
+            <a:r>
+              <a:rPr lang="it-IT" sz="3200" dirty="0" smtClean="0">
+                <a:latin typeface="+mj-lt"/>
+              </a:rPr>
+              <a:t>Connettività</a:t>
+            </a:r>
+          </a:p>
+          <a:p>
+            <a:pPr lvl="1"/>
+            <a:r>
+              <a:rPr lang="it-IT" sz="2800" dirty="0" smtClean="0">
+                <a:latin typeface="+mj-lt"/>
+              </a:rPr>
+              <a:t>BLE</a:t>
+            </a:r>
+          </a:p>
+          <a:p>
+            <a:pPr lvl="1"/>
+            <a:r>
+              <a:rPr lang="it-IT" sz="2800" dirty="0" smtClean="0">
+                <a:latin typeface="+mj-lt"/>
+              </a:rPr>
+              <a:t>Wi-Fi</a:t>
+            </a:r>
+          </a:p>
+          <a:p>
+            <a:pPr lvl="1"/>
+            <a:r>
+              <a:rPr lang="it-IT" sz="2800" dirty="0" smtClean="0">
+                <a:latin typeface="+mj-lt"/>
+              </a:rPr>
+              <a:t>NB-</a:t>
+            </a:r>
+            <a:r>
+              <a:rPr lang="it-IT" sz="2800" dirty="0" err="1" smtClean="0">
+                <a:latin typeface="+mj-lt"/>
+              </a:rPr>
+              <a:t>IoT</a:t>
+            </a:r>
+            <a:endParaRPr lang="it-IT" sz="2800" dirty="0" smtClean="0">
+              <a:latin typeface="+mj-lt"/>
+            </a:endParaRPr>
+          </a:p>
+          <a:p>
+            <a:r>
+              <a:rPr lang="it-IT" sz="3200" dirty="0">
+                <a:latin typeface="+mj-lt"/>
+              </a:rPr>
+              <a:t>Protocollo </a:t>
+            </a:r>
+            <a:r>
+              <a:rPr lang="it-IT" sz="3200" dirty="0" smtClean="0">
+                <a:latin typeface="+mj-lt"/>
+              </a:rPr>
+              <a:t>MQTT</a:t>
+            </a:r>
+            <a:endParaRPr lang="it-IT" sz="2800" dirty="0" smtClean="0">
+              <a:latin typeface="+mj-lt"/>
+            </a:endParaRPr>
+          </a:p>
+          <a:p>
+            <a:r>
+              <a:rPr lang="it-IT" sz="3200" dirty="0" err="1" smtClean="0">
+                <a:latin typeface="+mj-lt"/>
+              </a:rPr>
+              <a:t>Geolocalizzazione</a:t>
+            </a:r>
+            <a:endParaRPr lang="it-IT" sz="3200" dirty="0" smtClean="0">
+              <a:latin typeface="+mj-lt"/>
+            </a:endParaRPr>
+          </a:p>
+        </p:txBody>
+      </p:sp>
+      <p:sp>
+        <p:nvSpPr>
+          <p:cNvPr id="7" name="Segnaposto numero diapositiva 6"/>
+          <p:cNvSpPr>
+            <a:spLocks noGrp="1"/>
+          </p:cNvSpPr>
+          <p:nvPr>
+            <p:ph type="sldNum" sz="quarter" idx="12"/>
+          </p:nvPr>
+        </p:nvSpPr>
+        <p:spPr/>
+        <p:txBody>
+          <a:bodyPr/>
+          <a:lstStyle/>
+          <a:p>
+            <a:r>
+              <a:rPr lang="en-US" dirty="0" smtClean="0"/>
+              <a:t>8</a:t>
+            </a:r>
+            <a:endParaRPr lang="en-US" dirty="0"/>
+          </a:p>
+        </p:txBody>
+      </p:sp>
+    </p:spTree>
+    <p:extLst>
+      <p:ext uri="{BB962C8B-B14F-4D97-AF65-F5344CB8AC3E}">
+        <p14:creationId xmlns:p14="http://schemas.microsoft.com/office/powerpoint/2010/main" val="1059543490"/>
+      </p:ext>
+    </p:extLst>
+  </p:cSld>
+  <p:clrMapOvr>
+    <a:masterClrMapping/>
+  </p:clrMapOvr>
+  <mc:AlternateContent xmlns:mc="http://schemas.openxmlformats.org/markup-compatibility/2006">
+    <mc:Choice xmlns:p14="http://schemas.microsoft.com/office/powerpoint/2010/main" Requires="p14">
+      <p:transition spd="slow" p14:dur="2000" advTm="43466"/>
+    </mc:Choice>
+    <mc:Fallback>
+      <p:transition spd="slow" advTm="43466"/>
+    </mc:Fallback>
+  </mc:AlternateContent>
+  <p:timing>
+    <p:tnLst>
+      <p:par>
+        <p:cTn id="1" dur="indefinite" restart="never" nodeType="tmRoot"/>
+      </p:par>
+    </p:tnLst>
+  </p:timing>
+</p:sld>
+</file>
+
+<file path=ppt/slides/slide15.xml><?xml version="1.0" encoding="utf-8"?>
+<p:sld xmlns:a="http://schemas.openxmlformats.org/drawingml/2006/main" xmlns:r="http://schemas.openxmlformats.org/officeDocument/2006/relationships" xmlns:p="http://schemas.openxmlformats.org/presentationml/2006/main">
+  <p:cSld>
+    <p:spTree>
+      <p:nvGrpSpPr>
+        <p:cNvPr id="1" name=""/>
+        <p:cNvGrpSpPr/>
+        <p:nvPr/>
+      </p:nvGrpSpPr>
+      <p:grpSpPr>
+        <a:xfrm>
+          <a:off x="0" y="0"/>
+          <a:ext cx="0" cy="0"/>
+          <a:chOff x="0" y="0"/>
+          <a:chExt cx="0" cy="0"/>
+        </a:xfrm>
+      </p:grpSpPr>
+      <p:sp>
+        <p:nvSpPr>
+          <p:cNvPr id="2" name="Titolo 1"/>
+          <p:cNvSpPr>
+            <a:spLocks noGrp="1"/>
+          </p:cNvSpPr>
+          <p:nvPr>
+            <p:ph type="title"/>
+          </p:nvPr>
+        </p:nvSpPr>
+        <p:spPr/>
+        <p:txBody>
+          <a:bodyPr/>
+          <a:lstStyle/>
+          <a:p>
+            <a:pPr algn="ctr"/>
+            <a:r>
+              <a:rPr lang="it-IT" dirty="0" smtClean="0"/>
+              <a:t>Web </a:t>
+            </a:r>
+            <a:r>
+              <a:rPr lang="it-IT" dirty="0" err="1" smtClean="0"/>
+              <a:t>interfaces</a:t>
+            </a:r>
+            <a:endParaRPr lang="it-IT" dirty="0"/>
+          </a:p>
+        </p:txBody>
+      </p:sp>
+      <p:sp>
+        <p:nvSpPr>
+          <p:cNvPr id="3" name="Segnaposto contenuto 2"/>
+          <p:cNvSpPr>
+            <a:spLocks noGrp="1"/>
+          </p:cNvSpPr>
+          <p:nvPr>
+            <p:ph idx="1"/>
+          </p:nvPr>
+        </p:nvSpPr>
+        <p:spPr/>
+        <p:txBody>
+          <a:bodyPr>
+            <a:normAutofit/>
+          </a:bodyPr>
+          <a:lstStyle/>
+          <a:p>
+            <a:pPr marL="514350" indent="-514350">
+              <a:buFont typeface="+mj-lt"/>
+              <a:buAutoNum type="arabicPeriod"/>
+            </a:pPr>
+            <a:r>
+              <a:rPr lang="it-IT" sz="3200" dirty="0" smtClean="0">
+                <a:latin typeface="+mj-lt"/>
+              </a:rPr>
+              <a:t>Inserimento merce</a:t>
+            </a:r>
+            <a:endParaRPr lang="it-IT" sz="3200" dirty="0">
+              <a:latin typeface="+mj-lt"/>
+            </a:endParaRPr>
+          </a:p>
+          <a:p>
+            <a:pPr lvl="1"/>
+            <a:r>
+              <a:rPr lang="it-IT" sz="2800" dirty="0" smtClean="0">
+                <a:latin typeface="+mj-lt"/>
+              </a:rPr>
+              <a:t>Entità mittente (azienda e-commerce, materie prime, ecc.)</a:t>
+            </a:r>
+          </a:p>
+          <a:p>
+            <a:pPr marL="514350" indent="-514350">
+              <a:buFont typeface="+mj-lt"/>
+              <a:buAutoNum type="arabicPeriod"/>
+            </a:pPr>
+            <a:r>
+              <a:rPr lang="it-IT" sz="3200" dirty="0" smtClean="0">
+                <a:latin typeface="+mj-lt"/>
+              </a:rPr>
+              <a:t>Conferma consegna</a:t>
+            </a:r>
+          </a:p>
+          <a:p>
+            <a:pPr lvl="1"/>
+            <a:r>
+              <a:rPr lang="it-IT" sz="2800" dirty="0" smtClean="0">
+                <a:latin typeface="+mj-lt"/>
+              </a:rPr>
+              <a:t>Punto di scambio</a:t>
+            </a:r>
+          </a:p>
+          <a:p>
+            <a:pPr marL="457200" indent="-457200">
+              <a:buFont typeface="+mj-lt"/>
+              <a:buAutoNum type="arabicPeriod"/>
+            </a:pPr>
+            <a:r>
+              <a:rPr lang="it-IT" sz="3200" dirty="0" smtClean="0">
+                <a:latin typeface="+mj-lt"/>
+              </a:rPr>
+              <a:t>Consultazione aggiornamenti</a:t>
+            </a:r>
+          </a:p>
+          <a:p>
+            <a:pPr lvl="1"/>
+            <a:r>
+              <a:rPr lang="it-IT" sz="2800" dirty="0" smtClean="0">
+                <a:latin typeface="+mj-lt"/>
+              </a:rPr>
+              <a:t>Ricevente finale</a:t>
+            </a:r>
+          </a:p>
+        </p:txBody>
+      </p:sp>
+      <p:sp>
+        <p:nvSpPr>
+          <p:cNvPr id="7" name="Segnaposto numero diapositiva 6"/>
+          <p:cNvSpPr>
+            <a:spLocks noGrp="1"/>
+          </p:cNvSpPr>
+          <p:nvPr>
+            <p:ph type="sldNum" sz="quarter" idx="12"/>
+          </p:nvPr>
+        </p:nvSpPr>
+        <p:spPr/>
+        <p:txBody>
+          <a:bodyPr/>
+          <a:lstStyle/>
+          <a:p>
+            <a:r>
+              <a:rPr lang="en-US" dirty="0" smtClean="0"/>
+              <a:t>9</a:t>
+            </a:r>
+            <a:endParaRPr lang="en-US" dirty="0"/>
+          </a:p>
+        </p:txBody>
+      </p:sp>
+    </p:spTree>
+    <p:extLst>
+      <p:ext uri="{BB962C8B-B14F-4D97-AF65-F5344CB8AC3E}">
+        <p14:creationId xmlns:p14="http://schemas.microsoft.com/office/powerpoint/2010/main" val="3381718929"/>
+      </p:ext>
+    </p:extLst>
+  </p:cSld>
+  <p:clrMapOvr>
+    <a:masterClrMapping/>
+  </p:clrMapOvr>
+  <mc:AlternateContent xmlns:mc="http://schemas.openxmlformats.org/markup-compatibility/2006">
+    <mc:Choice xmlns:p14="http://schemas.microsoft.com/office/powerpoint/2010/main" Requires="p14">
+      <p:transition spd="slow" p14:dur="2000" advTm="24750"/>
+    </mc:Choice>
+    <mc:Fallback>
+      <p:transition spd="slow" advTm="24750"/>
+    </mc:Fallback>
+  </mc:AlternateContent>
+  <p:timing>
+    <p:tnLst>
+      <p:par>
+        <p:cTn id="1" dur="indefinite" restart="never" nodeType="tmRoot"/>
+      </p:par>
+    </p:tnLst>
+  </p:timing>
+</p:sld>
+</file>
+
+<file path=ppt/slides/slide16.xml><?xml version="1.0" encoding="utf-8"?>
+<p:sld xmlns:a="http://schemas.openxmlformats.org/drawingml/2006/main" xmlns:r="http://schemas.openxmlformats.org/officeDocument/2006/relationships" xmlns:p="http://schemas.openxmlformats.org/presentationml/2006/main">
+  <p:cSld>
+    <p:spTree>
+      <p:nvGrpSpPr>
+        <p:cNvPr id="1" name=""/>
+        <p:cNvGrpSpPr/>
+        <p:nvPr/>
+      </p:nvGrpSpPr>
+      <p:grpSpPr>
+        <a:xfrm>
+          <a:off x="0" y="0"/>
+          <a:ext cx="0" cy="0"/>
+          <a:chOff x="0" y="0"/>
+          <a:chExt cx="0" cy="0"/>
+        </a:xfrm>
+      </p:grpSpPr>
+      <p:sp>
+        <p:nvSpPr>
+          <p:cNvPr id="5" name="Titolo 4"/>
+          <p:cNvSpPr>
+            <a:spLocks noGrp="1"/>
+          </p:cNvSpPr>
+          <p:nvPr>
+            <p:ph type="title"/>
+          </p:nvPr>
+        </p:nvSpPr>
+        <p:spPr/>
+        <p:txBody>
+          <a:bodyPr/>
+          <a:lstStyle/>
+          <a:p>
+            <a:pPr algn="ctr"/>
+            <a:r>
+              <a:rPr lang="it-IT" dirty="0" smtClean="0"/>
+              <a:t>Conclusioni</a:t>
+            </a:r>
+            <a:endParaRPr lang="it-IT" dirty="0"/>
+          </a:p>
+        </p:txBody>
+      </p:sp>
+      <p:sp>
+        <p:nvSpPr>
+          <p:cNvPr id="6" name="Segnaposto contenuto 5"/>
+          <p:cNvSpPr>
+            <a:spLocks noGrp="1"/>
+          </p:cNvSpPr>
+          <p:nvPr>
+            <p:ph idx="1"/>
+          </p:nvPr>
+        </p:nvSpPr>
+        <p:spPr/>
+        <p:txBody>
+          <a:bodyPr>
+            <a:normAutofit/>
+          </a:bodyPr>
+          <a:lstStyle/>
+          <a:p>
+            <a:r>
+              <a:rPr lang="it-IT" sz="3200" dirty="0" smtClean="0">
+                <a:latin typeface="+mj-lt"/>
+              </a:rPr>
+              <a:t>Limiti</a:t>
+            </a:r>
+          </a:p>
+          <a:p>
+            <a:pPr lvl="1"/>
+            <a:r>
+              <a:rPr lang="it-IT" sz="2800" dirty="0">
+                <a:latin typeface="+mj-lt"/>
+              </a:rPr>
+              <a:t>Falsi positivi in registro immutabile</a:t>
+            </a:r>
+          </a:p>
+          <a:p>
+            <a:pPr lvl="1"/>
+            <a:r>
+              <a:rPr lang="it-IT" sz="2800" dirty="0">
+                <a:latin typeface="+mj-lt"/>
+              </a:rPr>
+              <a:t>Automatizzazione solo </a:t>
+            </a:r>
+            <a:r>
+              <a:rPr lang="it-IT" sz="2800" dirty="0" smtClean="0">
+                <a:latin typeface="+mj-lt"/>
+              </a:rPr>
+              <a:t>parziale</a:t>
+            </a:r>
+          </a:p>
+          <a:p>
+            <a:pPr marL="457200" lvl="1" indent="0">
+              <a:buNone/>
+            </a:pPr>
+            <a:endParaRPr lang="it-IT" sz="2800" dirty="0">
+              <a:latin typeface="+mj-lt"/>
+            </a:endParaRPr>
+          </a:p>
+          <a:p>
+            <a:r>
+              <a:rPr lang="it-IT" sz="3200" dirty="0" smtClean="0">
+                <a:latin typeface="+mj-lt"/>
+              </a:rPr>
+              <a:t>Estensioni</a:t>
+            </a:r>
+          </a:p>
+          <a:p>
+            <a:pPr lvl="1">
+              <a:lnSpc>
+                <a:spcPct val="100000"/>
+              </a:lnSpc>
+            </a:pPr>
+            <a:r>
+              <a:rPr lang="it-IT" sz="2800" dirty="0">
+                <a:latin typeface="+mj-lt"/>
+              </a:rPr>
+              <a:t>Servizio di </a:t>
+            </a:r>
+            <a:r>
+              <a:rPr lang="it-IT" sz="2800" dirty="0" err="1">
+                <a:latin typeface="+mj-lt"/>
+              </a:rPr>
+              <a:t>tracking</a:t>
+            </a:r>
+            <a:r>
+              <a:rPr lang="it-IT" sz="2800" dirty="0">
+                <a:latin typeface="+mj-lt"/>
+              </a:rPr>
+              <a:t> dei veicoli</a:t>
+            </a:r>
+          </a:p>
+          <a:p>
+            <a:pPr lvl="1">
+              <a:lnSpc>
+                <a:spcPct val="100000"/>
+              </a:lnSpc>
+            </a:pPr>
+            <a:r>
+              <a:rPr lang="it-IT" sz="2800" dirty="0">
+                <a:latin typeface="+mj-lt"/>
+              </a:rPr>
+              <a:t>Ulteriori </a:t>
+            </a:r>
+            <a:r>
+              <a:rPr lang="it-IT" sz="2800" dirty="0" smtClean="0">
+                <a:latin typeface="+mj-lt"/>
+              </a:rPr>
+              <a:t>scambi</a:t>
+            </a:r>
+          </a:p>
+        </p:txBody>
+      </p:sp>
+      <p:sp>
+        <p:nvSpPr>
+          <p:cNvPr id="7" name="Segnaposto numero diapositiva 6"/>
+          <p:cNvSpPr>
+            <a:spLocks noGrp="1"/>
+          </p:cNvSpPr>
+          <p:nvPr>
+            <p:ph type="sldNum" sz="quarter" idx="12"/>
+          </p:nvPr>
+        </p:nvSpPr>
+        <p:spPr/>
+        <p:txBody>
+          <a:bodyPr/>
+          <a:lstStyle/>
+          <a:p>
+            <a:r>
+              <a:rPr lang="en-US" dirty="0" smtClean="0"/>
+              <a:t>10</a:t>
+            </a:r>
+            <a:endParaRPr lang="en-US" dirty="0"/>
+          </a:p>
+        </p:txBody>
+      </p:sp>
+    </p:spTree>
+    <p:extLst>
+      <p:ext uri="{BB962C8B-B14F-4D97-AF65-F5344CB8AC3E}">
+        <p14:creationId xmlns:p14="http://schemas.microsoft.com/office/powerpoint/2010/main" val="1503604267"/>
+      </p:ext>
+    </p:extLst>
+  </p:cSld>
+  <p:clrMapOvr>
+    <a:masterClrMapping/>
+  </p:clrMapOvr>
+  <mc:AlternateContent xmlns:mc="http://schemas.openxmlformats.org/markup-compatibility/2006">
+    <mc:Choice xmlns:p14="http://schemas.microsoft.com/office/powerpoint/2010/main" Requires="p14">
+      <p:transition spd="slow" p14:dur="2000" advTm="100158"/>
+    </mc:Choice>
+    <mc:Fallback>
+      <p:transition spd="slow" advTm="100158"/>
+    </mc:Fallback>
+  </mc:AlternateContent>
   <p:timing>
     <p:tnLst>
       <p:par>
@@ -4300,8 +5407,11 @@
               <a:rPr lang="it-IT" sz="3200" dirty="0" smtClean="0">
                 <a:latin typeface="+mj-lt"/>
               </a:rPr>
-              <a:t>Considerazioni</a:t>
-            </a:r>
+              <a:t>Conclusioni</a:t>
+            </a:r>
+            <a:endParaRPr lang="it-IT" sz="3200" dirty="0" smtClean="0">
+              <a:latin typeface="+mj-lt"/>
+            </a:endParaRPr>
           </a:p>
           <a:p>
             <a:pPr lvl="1"/>
@@ -4320,6 +5430,29 @@
               </a:rPr>
               <a:t>Estensioni</a:t>
             </a:r>
+          </a:p>
+        </p:txBody>
+      </p:sp>
+      <p:sp>
+        <p:nvSpPr>
+          <p:cNvPr id="7" name="Segnaposto numero diapositiva 6"/>
+          <p:cNvSpPr>
+            <a:spLocks noGrp="1"/>
+          </p:cNvSpPr>
+          <p:nvPr>
+            <p:ph type="sldNum" sz="quarter" idx="12"/>
+          </p:nvPr>
+        </p:nvSpPr>
+        <p:spPr/>
+        <p:txBody>
+          <a:bodyPr/>
+          <a:lstStyle/>
+          <a:p>
+            <a:fld id="{6F4CAB23-5FA6-42CD-8303-50488185AA74}" type="slidenum">
+              <a:rPr lang="en-US" smtClean="0"/>
+              <a:t>2</a:t>
+            </a:fld>
+            <a:endParaRPr lang="en-US"/>
           </a:p>
         </p:txBody>
       </p:sp>
@@ -4333,6 +5466,14 @@
   <p:clrMapOvr>
     <a:masterClrMapping/>
   </p:clrMapOvr>
+  <mc:AlternateContent xmlns:mc="http://schemas.openxmlformats.org/markup-compatibility/2006">
+    <mc:Choice xmlns:p14="http://schemas.microsoft.com/office/powerpoint/2010/main" Requires="p14">
+      <p:transition spd="slow" p14:dur="2000" advTm="17405"/>
+    </mc:Choice>
+    <mc:Fallback>
+      <p:transition spd="slow" advTm="17405"/>
+    </mc:Fallback>
+  </mc:AlternateContent>
   <p:timing>
     <p:tnLst>
       <p:par>
@@ -4384,9 +5525,71 @@
           </a:p>
         </p:txBody>
       </p:sp>
+      <p:sp>
+        <p:nvSpPr>
+          <p:cNvPr id="3" name="Segnaposto contenuto 2"/>
+          <p:cNvSpPr>
+            <a:spLocks noGrp="1"/>
+          </p:cNvSpPr>
+          <p:nvPr>
+            <p:ph idx="1"/>
+          </p:nvPr>
+        </p:nvSpPr>
+        <p:spPr>
+          <a:xfrm>
+            <a:off x="7230979" y="1786955"/>
+            <a:ext cx="4122821" cy="3961564"/>
+          </a:xfrm>
+        </p:spPr>
+        <p:txBody>
+          <a:bodyPr>
+            <a:noAutofit/>
+          </a:bodyPr>
+          <a:lstStyle/>
+          <a:p>
+            <a:pPr>
+              <a:lnSpc>
+                <a:spcPct val="100000"/>
+              </a:lnSpc>
+            </a:pPr>
+            <a:r>
+              <a:rPr lang="it-IT" sz="3200" dirty="0" smtClean="0">
+                <a:latin typeface="+mj-lt"/>
+              </a:rPr>
+              <a:t>Consegne di merci tra punti di scambio</a:t>
+            </a:r>
+          </a:p>
+          <a:p>
+            <a:pPr>
+              <a:lnSpc>
+                <a:spcPct val="100000"/>
+              </a:lnSpc>
+            </a:pPr>
+            <a:r>
+              <a:rPr lang="it-IT" sz="3200" dirty="0" smtClean="0">
+                <a:latin typeface="+mj-lt"/>
+              </a:rPr>
+              <a:t>Mancanza di fiducia tra entità</a:t>
+            </a:r>
+          </a:p>
+          <a:p>
+            <a:pPr>
+              <a:lnSpc>
+                <a:spcPct val="100000"/>
+              </a:lnSpc>
+            </a:pPr>
+            <a:r>
+              <a:rPr lang="it-IT" sz="3200" dirty="0" smtClean="0">
+                <a:latin typeface="+mj-lt"/>
+              </a:rPr>
+              <a:t>Soluzione affidabile, distribuita e universale</a:t>
+            </a:r>
+          </a:p>
+        </p:txBody>
+      </p:sp>
       <p:pic>
         <p:nvPicPr>
-          <p:cNvPr id="3" name="Immagine 2"/>
+          <p:cNvPr id="4" name="Immagine 3"/>
           <p:cNvPicPr>
             <a:picLocks noChangeAspect="1"/>
           </p:cNvPicPr>
@@ -4406,24 +5609,55 @@
         </p:blipFill>
         <p:spPr>
           <a:xfrm>
-            <a:off x="2074195" y="1308239"/>
-            <a:ext cx="8043610" cy="5122509"/>
+            <a:off x="838200" y="1786955"/>
+            <a:ext cx="6522964" cy="4154098"/>
           </a:xfrm>
           <a:prstGeom prst="rect">
             <a:avLst/>
           </a:prstGeom>
         </p:spPr>
       </p:pic>
+      <p:sp>
+        <p:nvSpPr>
+          <p:cNvPr id="8" name="Segnaposto numero diapositiva 7"/>
+          <p:cNvSpPr>
+            <a:spLocks noGrp="1"/>
+          </p:cNvSpPr>
+          <p:nvPr>
+            <p:ph type="sldNum" sz="quarter" idx="12"/>
+          </p:nvPr>
+        </p:nvSpPr>
+        <p:spPr/>
+        <p:txBody>
+          <a:bodyPr/>
+          <a:lstStyle/>
+          <a:p>
+            <a:fld id="{6F4CAB23-5FA6-42CD-8303-50488185AA74}" type="slidenum">
+              <a:rPr lang="en-US" smtClean="0"/>
+              <a:t>3</a:t>
+            </a:fld>
+            <a:endParaRPr lang="en-US"/>
+          </a:p>
+        </p:txBody>
+      </p:sp>
     </p:spTree>
     <p:extLst>
       <p:ext uri="{BB962C8B-B14F-4D97-AF65-F5344CB8AC3E}">
-        <p14:creationId xmlns:p14="http://schemas.microsoft.com/office/powerpoint/2010/main" val="2633086918"/>
+        <p14:creationId xmlns:p14="http://schemas.microsoft.com/office/powerpoint/2010/main" val="1014369350"/>
       </p:ext>
     </p:extLst>
   </p:cSld>
   <p:clrMapOvr>
     <a:masterClrMapping/>
   </p:clrMapOvr>
+  <mc:AlternateContent xmlns:mc="http://schemas.openxmlformats.org/markup-compatibility/2006">
+    <mc:Choice xmlns:p14="http://schemas.microsoft.com/office/powerpoint/2010/main" Requires="p14">
+      <p:transition spd="slow" p14:dur="2000" advTm="83280"/>
+    </mc:Choice>
+    <mc:Fallback>
+      <p:transition spd="slow" advTm="83280"/>
+    </mc:Fallback>
+  </mc:AlternateContent>
   <p:timing>
     <p:tnLst>
       <p:par>
@@ -4469,7 +5703,7 @@
             <a:pPr algn="ctr"/>
             <a:r>
               <a:rPr lang="it-IT" dirty="0" smtClean="0"/>
-              <a:t>Scenario</a:t>
+              <a:t>Blockchain</a:t>
             </a:r>
             <a:endParaRPr lang="it-IT" dirty="0"/>
           </a:p>
@@ -4487,66 +5721,189 @@
         </p:nvSpPr>
         <p:spPr>
           <a:xfrm>
-            <a:off x="838200" y="2318920"/>
-            <a:ext cx="10515600" cy="2842628"/>
+            <a:off x="838200" y="1825625"/>
+            <a:ext cx="10515600" cy="4647364"/>
           </a:xfrm>
         </p:spPr>
         <p:txBody>
           <a:bodyPr>
-            <a:noAutofit/>
+            <a:normAutofit/>
           </a:bodyPr>
           <a:lstStyle/>
           <a:p>
             <a:pPr>
               <a:lnSpc>
-                <a:spcPct val="150000"/>
+                <a:spcPct val="110000"/>
               </a:lnSpc>
             </a:pPr>
             <a:r>
               <a:rPr lang="it-IT" sz="3200" dirty="0" smtClean="0">
                 <a:latin typeface="+mj-lt"/>
               </a:rPr>
-              <a:t>Consegne di merci tra punti di scambio</a:t>
+              <a:t>Struttura dati distribuita	</a:t>
+            </a:r>
+            <a:endParaRPr lang="it-IT" sz="3200" dirty="0">
+              <a:latin typeface="+mj-lt"/>
+            </a:endParaRPr>
+          </a:p>
+          <a:p>
+            <a:pPr lvl="1">
+              <a:lnSpc>
+                <a:spcPct val="110000"/>
+              </a:lnSpc>
+            </a:pPr>
+            <a:r>
+              <a:rPr lang="it-IT" sz="2800" dirty="0" smtClean="0">
+                <a:latin typeface="+mj-lt"/>
+              </a:rPr>
+              <a:t>Immutabile</a:t>
+            </a:r>
+          </a:p>
+          <a:p>
+            <a:pPr lvl="1">
+              <a:lnSpc>
+                <a:spcPct val="110000"/>
+              </a:lnSpc>
+            </a:pPr>
+            <a:r>
+              <a:rPr lang="it-IT" sz="2800" dirty="0" smtClean="0">
+                <a:latin typeface="+mj-lt"/>
+              </a:rPr>
+              <a:t>Affidabile</a:t>
+            </a:r>
+          </a:p>
+          <a:p>
+            <a:pPr lvl="1">
+              <a:lnSpc>
+                <a:spcPct val="110000"/>
+              </a:lnSpc>
+            </a:pPr>
+            <a:r>
+              <a:rPr lang="it-IT" sz="2800" dirty="0" smtClean="0">
+                <a:latin typeface="+mj-lt"/>
+              </a:rPr>
+              <a:t>Decentralizzata</a:t>
             </a:r>
           </a:p>
           <a:p>
             <a:pPr>
               <a:lnSpc>
-                <a:spcPct val="150000"/>
+                <a:spcPct val="110000"/>
               </a:lnSpc>
             </a:pPr>
+            <a:r>
+              <a:rPr lang="it-IT" sz="3200" dirty="0" err="1" smtClean="0">
+                <a:latin typeface="+mj-lt"/>
+              </a:rPr>
+              <a:t>Permissioned</a:t>
+            </a:r>
             <a:r>
               <a:rPr lang="it-IT" sz="3200" dirty="0" smtClean="0">
                 <a:latin typeface="+mj-lt"/>
               </a:rPr>
-              <a:t>Mancanza di fiducia tra entità</a:t>
-            </a:r>
-          </a:p>
-          <a:p>
-            <a:pPr>
-              <a:lnSpc>
-                <a:spcPct val="150000"/>
-              </a:lnSpc>
-            </a:pPr>
+              <a:t> </a:t>
+            </a:r>
             <a:r>
               <a:rPr lang="it-IT" sz="3200" dirty="0" smtClean="0">
                 <a:latin typeface="+mj-lt"/>
               </a:rPr>
-              <a:t>Soluzione affidabile, distribuita e universale</a:t>
-            </a:r>
+              <a:t>vs. </a:t>
+            </a:r>
+            <a:r>
+              <a:rPr lang="it-IT" sz="3200" dirty="0" err="1" smtClean="0">
+                <a:latin typeface="+mj-lt"/>
+              </a:rPr>
+              <a:t>Permissionless</a:t>
+            </a:r>
+            <a:endParaRPr lang="it-IT" sz="3200" dirty="0" smtClean="0">
+              <a:latin typeface="+mj-lt"/>
+            </a:endParaRPr>
+          </a:p>
+          <a:p>
+            <a:pPr lvl="1">
+              <a:lnSpc>
+                <a:spcPct val="110000"/>
+              </a:lnSpc>
+            </a:pPr>
+            <a:r>
+              <a:rPr lang="it-IT" sz="2800" dirty="0" smtClean="0">
+                <a:latin typeface="+mj-lt"/>
+              </a:rPr>
+              <a:t>Tipo di partecipanti</a:t>
+            </a:r>
+          </a:p>
+          <a:p>
+            <a:pPr lvl="1">
+              <a:lnSpc>
+                <a:spcPct val="110000"/>
+              </a:lnSpc>
+            </a:pPr>
+            <a:r>
+              <a:rPr lang="it-IT" sz="2800" dirty="0" smtClean="0">
+                <a:latin typeface="+mj-lt"/>
+              </a:rPr>
+              <a:t>Livello di fiducia</a:t>
+            </a:r>
+          </a:p>
+          <a:p>
+            <a:pPr lvl="1">
+              <a:lnSpc>
+                <a:spcPct val="110000"/>
+              </a:lnSpc>
+            </a:pPr>
+            <a:r>
+              <a:rPr lang="it-IT" sz="2800" dirty="0" smtClean="0">
+                <a:latin typeface="+mj-lt"/>
+              </a:rPr>
+              <a:t>Casi d’uso</a:t>
+            </a:r>
+            <a:endParaRPr lang="it-IT" sz="2800" dirty="0" smtClean="0">
+              <a:latin typeface="+mj-lt"/>
+            </a:endParaRPr>
+          </a:p>
+        </p:txBody>
+      </p:sp>
+      <p:sp>
+        <p:nvSpPr>
+          <p:cNvPr id="7" name="Segnaposto numero diapositiva 6"/>
+          <p:cNvSpPr>
+            <a:spLocks noGrp="1"/>
+          </p:cNvSpPr>
+          <p:nvPr>
+            <p:ph type="sldNum" sz="quarter" idx="12"/>
+          </p:nvPr>
+        </p:nvSpPr>
+        <p:spPr/>
+        <p:txBody>
+          <a:bodyPr/>
+          <a:lstStyle/>
+          <a:p>
+            <a:fld id="{6F4CAB23-5FA6-42CD-8303-50488185AA74}" type="slidenum">
+              <a:rPr lang="en-US" smtClean="0"/>
+              <a:t>4</a:t>
+            </a:fld>
+            <a:endParaRPr lang="en-US"/>
           </a:p>
         </p:txBody>
       </p:sp>
     </p:spTree>
     <p:extLst>
       <p:ext uri="{BB962C8B-B14F-4D97-AF65-F5344CB8AC3E}">
-        <p14:creationId xmlns:p14="http://schemas.microsoft.com/office/powerpoint/2010/main" val="3489171500"/>
+        <p14:creationId xmlns:p14="http://schemas.microsoft.com/office/powerpoint/2010/main" val="1279303885"/>
       </p:ext>
     </p:extLst>
   </p:cSld>
   <p:clrMapOvr>
     <a:masterClrMapping/>
   </p:clrMapOvr>
+  <mc:AlternateContent xmlns:mc="http://schemas.openxmlformats.org/markup-compatibility/2006">
+    <mc:Choice xmlns:p14="http://schemas.microsoft.com/office/powerpoint/2010/main" Requires="p14">
+      <p:transition spd="slow" p14:dur="2000" advTm="126799"/>
+    </mc:Choice>
+    <mc:Fallback>
+      <p:transition spd="slow" advTm="126799"/>
+    </mc:Fallback>
+  </mc:AlternateContent>
   <p:timing>
     <p:tnLst>
       <p:par>
@@ -4558,168 +5915,6 @@
 </file>
 
 <file path=ppt/slides/slide5.xml><?xml version="1.0" encoding="utf-8"?>
-<p:sld xmlns:a="http://schemas.openxmlformats.org/drawingml/2006/main" xmlns:r="http://schemas.openxmlformats.org/officeDocument/2006/relationships" xmlns:p="http://schemas.openxmlformats.org/presentationml/2006/main">
-  <p:cSld>
-    <p:spTree>
-      <p:nvGrpSpPr>
-        <p:cNvPr id="1" name=""/>
-        <p:cNvGrpSpPr/>
-        <p:nvPr/>
-      </p:nvGrpSpPr>
-      <p:grpSpPr>
-        <a:xfrm>
-          <a:off x="0" y="0"/>
-          <a:ext cx="0" cy="0"/>
-          <a:chOff x="0" y="0"/>
-          <a:chExt cx="0" cy="0"/>
-        </a:xfrm>
-      </p:grpSpPr>
-      <p:sp>
-        <p:nvSpPr>
-          <p:cNvPr id="2" name="Titolo 1"/>
-          <p:cNvSpPr>
-            <a:spLocks noGrp="1"/>
-          </p:cNvSpPr>
-          <p:nvPr>
-            <p:ph type="title"/>
-          </p:nvPr>
-        </p:nvSpPr>
-        <p:spPr/>
-        <p:txBody>
-          <a:bodyPr/>
-          <a:lstStyle/>
-          <a:p>
-            <a:pPr algn="ctr"/>
-            <a:r>
-              <a:rPr lang="it-IT" dirty="0" smtClean="0"/>
-              <a:t>Blockchain</a:t>
-            </a:r>
-            <a:endParaRPr lang="it-IT" dirty="0"/>
-          </a:p>
-        </p:txBody>
-      </p:sp>
-      <p:sp>
-        <p:nvSpPr>
-          <p:cNvPr id="3" name="Segnaposto contenuto 2"/>
-          <p:cNvSpPr>
-            <a:spLocks noGrp="1"/>
-          </p:cNvSpPr>
-          <p:nvPr>
-            <p:ph idx="1"/>
-          </p:nvPr>
-        </p:nvSpPr>
-        <p:spPr/>
-        <p:txBody>
-          <a:bodyPr>
-            <a:normAutofit/>
-          </a:bodyPr>
-          <a:lstStyle/>
-          <a:p>
-            <a:pPr>
-              <a:lnSpc>
-                <a:spcPct val="110000"/>
-              </a:lnSpc>
-            </a:pPr>
-            <a:r>
-              <a:rPr lang="it-IT" sz="3200" dirty="0" smtClean="0">
-                <a:latin typeface="+mj-lt"/>
-              </a:rPr>
-              <a:t>Struttura dati distribuita	</a:t>
-            </a:r>
-            <a:endParaRPr lang="it-IT" sz="3200" dirty="0">
-              <a:latin typeface="+mj-lt"/>
-            </a:endParaRPr>
-          </a:p>
-          <a:p>
-            <a:pPr lvl="1">
-              <a:lnSpc>
-                <a:spcPct val="110000"/>
-              </a:lnSpc>
-            </a:pPr>
-            <a:r>
-              <a:rPr lang="it-IT" sz="2800" dirty="0" smtClean="0">
-                <a:latin typeface="+mj-lt"/>
-              </a:rPr>
-              <a:t>Immutabile</a:t>
-            </a:r>
-          </a:p>
-          <a:p>
-            <a:pPr lvl="1">
-              <a:lnSpc>
-                <a:spcPct val="110000"/>
-              </a:lnSpc>
-            </a:pPr>
-            <a:r>
-              <a:rPr lang="it-IT" sz="2800" dirty="0" smtClean="0">
-                <a:latin typeface="+mj-lt"/>
-              </a:rPr>
-              <a:t>Affidabile</a:t>
-            </a:r>
-          </a:p>
-          <a:p>
-            <a:pPr lvl="1">
-              <a:lnSpc>
-                <a:spcPct val="110000"/>
-              </a:lnSpc>
-            </a:pPr>
-            <a:r>
-              <a:rPr lang="it-IT" sz="2800" dirty="0" smtClean="0">
-                <a:latin typeface="+mj-lt"/>
-              </a:rPr>
-              <a:t>Decentralizzata</a:t>
-            </a:r>
-          </a:p>
-          <a:p>
-            <a:pPr>
-              <a:lnSpc>
-                <a:spcPct val="110000"/>
-              </a:lnSpc>
-            </a:pPr>
-            <a:r>
-              <a:rPr lang="it-IT" sz="3200" dirty="0" err="1" smtClean="0">
-                <a:latin typeface="+mj-lt"/>
-              </a:rPr>
-              <a:t>Permissioned</a:t>
-            </a:r>
-            <a:r>
-              <a:rPr lang="it-IT" sz="3200" dirty="0" smtClean="0">
-                <a:latin typeface="+mj-lt"/>
-              </a:rPr>
-              <a:t> – </a:t>
-            </a:r>
-            <a:r>
-              <a:rPr lang="it-IT" sz="3200" dirty="0" err="1" smtClean="0">
-                <a:latin typeface="+mj-lt"/>
-              </a:rPr>
-              <a:t>Permissionless</a:t>
-            </a:r>
-            <a:endParaRPr lang="it-IT" sz="3200" dirty="0" smtClean="0">
-              <a:latin typeface="+mj-lt"/>
-            </a:endParaRPr>
-          </a:p>
-        </p:txBody>
-      </p:sp>
-    </p:spTree>
-    <p:extLst>
-      <p:ext uri="{BB962C8B-B14F-4D97-AF65-F5344CB8AC3E}">
-        <p14:creationId xmlns:p14="http://schemas.microsoft.com/office/powerpoint/2010/main" val="1279303885"/>
-      </p:ext>
-    </p:extLst>
-  </p:cSld>
-  <p:clrMapOvr>
-    <a:masterClrMapping/>
-  </p:clrMapOvr>
-  <p:timing>
-    <p:tnLst>
-      <p:par>
-        <p:cTn id="1" dur="indefinite" restart="never" nodeType="tmRoot"/>
-      </p:par>
-    </p:tnLst>
-  </p:timing>
-</p:sld>
-</file>
-
-<file path=ppt/slides/slide6.xml><?xml version="1.0" encoding="utf-8"?>
 <p:sld xmlns:a="http://schemas.openxmlformats.org/drawingml/2006/main" xmlns:r="http://schemas.openxmlformats.org/officeDocument/2006/relationships" xmlns:p="http://schemas.openxmlformats.org/presentationml/2006/main">
   <p:cSld>
     <p:spTree>
@@ -5104,7 +6299,7 @@
         <p:spPr>
           <a:xfrm>
             <a:off x="1070812" y="4523874"/>
-            <a:ext cx="3068051" cy="1384995"/>
+            <a:ext cx="3068051" cy="1446550"/>
           </a:xfrm>
           <a:prstGeom prst="rect">
             <a:avLst/>
@@ -5118,7 +6313,7 @@
           <a:lstStyle/>
           <a:p>
             <a:r>
-              <a:rPr lang="it-IT" sz="2800" dirty="0" smtClean="0">
+              <a:rPr lang="it-IT" sz="3200" dirty="0" smtClean="0">
                 <a:latin typeface="+mj-lt"/>
               </a:rPr>
               <a:t>Strumenti:</a:t>
@@ -5150,6 +6345,29 @@
             <a:endParaRPr lang="it-IT" sz="2800" dirty="0">
               <a:latin typeface="+mj-lt"/>
             </a:endParaRPr>
+          </a:p>
+        </p:txBody>
+      </p:sp>
+      <p:sp>
+        <p:nvSpPr>
+          <p:cNvPr id="6" name="Segnaposto numero diapositiva 5"/>
+          <p:cNvSpPr>
+            <a:spLocks noGrp="1"/>
+          </p:cNvSpPr>
+          <p:nvPr>
+            <p:ph type="sldNum" sz="quarter" idx="12"/>
+          </p:nvPr>
+        </p:nvSpPr>
+        <p:spPr/>
+        <p:txBody>
+          <a:bodyPr/>
+          <a:lstStyle/>
+          <a:p>
+            <a:fld id="{6F4CAB23-5FA6-42CD-8303-50488185AA74}" type="slidenum">
+              <a:rPr lang="en-US" smtClean="0"/>
+              <a:t>5</a:t>
+            </a:fld>
+            <a:endParaRPr lang="en-US"/>
           </a:p>
         </p:txBody>
       </p:sp>
@@ -5163,6 +6381,190 @@
   <p:clrMapOvr>
     <a:masterClrMapping/>
   </p:clrMapOvr>
+  <mc:AlternateContent xmlns:mc="http://schemas.openxmlformats.org/markup-compatibility/2006">
+    <mc:Choice xmlns:p14="http://schemas.microsoft.com/office/powerpoint/2010/main" Requires="p14">
+      <p:transition spd="slow" p14:dur="2000" advTm="90767"/>
+    </mc:Choice>
+    <mc:Fallback>
+      <p:transition spd="slow" advTm="90767"/>
+    </mc:Fallback>
+  </mc:AlternateContent>
+  <p:timing>
+    <p:tnLst>
+      <p:par>
+        <p:cTn id="1" dur="indefinite" restart="never" nodeType="tmRoot"/>
+      </p:par>
+    </p:tnLst>
+  </p:timing>
+</p:sld>
+</file>
+
+<file path=ppt/slides/slide6.xml><?xml version="1.0" encoding="utf-8"?>
+<p:sld xmlns:a="http://schemas.openxmlformats.org/drawingml/2006/main" xmlns:r="http://schemas.openxmlformats.org/officeDocument/2006/relationships" xmlns:p="http://schemas.openxmlformats.org/presentationml/2006/main">
+  <p:cSld>
+    <p:spTree>
+      <p:nvGrpSpPr>
+        <p:cNvPr id="1" name=""/>
+        <p:cNvGrpSpPr/>
+        <p:nvPr/>
+      </p:nvGrpSpPr>
+      <p:grpSpPr>
+        <a:xfrm>
+          <a:off x="0" y="0"/>
+          <a:ext cx="0" cy="0"/>
+          <a:chOff x="0" y="0"/>
+          <a:chExt cx="0" cy="0"/>
+        </a:xfrm>
+      </p:grpSpPr>
+      <p:sp>
+        <p:nvSpPr>
+          <p:cNvPr id="2" name="Titolo 1"/>
+          <p:cNvSpPr>
+            <a:spLocks noGrp="1"/>
+          </p:cNvSpPr>
+          <p:nvPr>
+            <p:ph type="title"/>
+          </p:nvPr>
+        </p:nvSpPr>
+        <p:spPr/>
+        <p:txBody>
+          <a:bodyPr/>
+          <a:lstStyle/>
+          <a:p>
+            <a:pPr algn="ctr"/>
+            <a:r>
+              <a:rPr lang="it-IT" dirty="0" smtClean="0"/>
+              <a:t>Architettura</a:t>
+            </a:r>
+            <a:endParaRPr lang="it-IT" dirty="0"/>
+          </a:p>
+        </p:txBody>
+      </p:sp>
+      <p:pic>
+        <p:nvPicPr>
+          <p:cNvPr id="4" name="Segnaposto contenuto 3"/>
+          <p:cNvPicPr>
+            <a:picLocks noGrp="1" noChangeAspect="1"/>
+          </p:cNvPicPr>
+          <p:nvPr>
+            <p:ph idx="1"/>
+          </p:nvPr>
+        </p:nvPicPr>
+        <p:blipFill>
+          <a:blip r:embed="rId2">
+            <a:extLst>
+              <a:ext uri="{28A0092B-C50C-407E-A947-70E740481C1C}">
+                <a14:useLocalDpi xmlns:a14="http://schemas.microsoft.com/office/drawing/2010/main" val="0"/>
+              </a:ext>
+            </a:extLst>
+          </a:blip>
+          <a:stretch>
+            <a:fillRect/>
+          </a:stretch>
+        </p:blipFill>
+        <p:spPr>
+          <a:xfrm>
+            <a:off x="838200" y="1690688"/>
+            <a:ext cx="5876587" cy="4146424"/>
+          </a:xfrm>
+        </p:spPr>
+      </p:pic>
+      <p:sp>
+        <p:nvSpPr>
+          <p:cNvPr id="3" name="CasellaDiTesto 2"/>
+          <p:cNvSpPr txBox="1"/>
+          <p:nvPr/>
+        </p:nvSpPr>
+        <p:spPr>
+          <a:xfrm>
+            <a:off x="7062537" y="1852863"/>
+            <a:ext cx="4812631" cy="1815882"/>
+          </a:xfrm>
+          <a:prstGeom prst="rect">
+            <a:avLst/>
+          </a:prstGeom>
+          <a:noFill/>
+        </p:spPr>
+        <p:txBody>
+          <a:bodyPr wrap="square" rtlCol="0">
+            <a:spAutoFit/>
+          </a:bodyPr>
+          <a:lstStyle/>
+          <a:p>
+            <a:r>
+              <a:rPr lang="it-IT" sz="2800" dirty="0" smtClean="0">
+                <a:latin typeface="+mj-lt"/>
+              </a:rPr>
+              <a:t>Transazione per la creazione della consegna</a:t>
+            </a:r>
+          </a:p>
+          <a:p>
+            <a:pPr marL="457200" indent="-457200">
+              <a:buFont typeface="Arial" panose="020B0604020202020204" pitchFamily="34" charset="0"/>
+              <a:buChar char="•"/>
+            </a:pPr>
+            <a:r>
+              <a:rPr lang="it-IT" sz="2800" dirty="0" smtClean="0">
+                <a:latin typeface="+mj-lt"/>
+              </a:rPr>
+              <a:t>Dati della merce</a:t>
+            </a:r>
+          </a:p>
+          <a:p>
+            <a:pPr marL="457200" indent="-457200">
+              <a:buFont typeface="Arial" panose="020B0604020202020204" pitchFamily="34" charset="0"/>
+              <a:buChar char="•"/>
+            </a:pPr>
+            <a:r>
+              <a:rPr lang="it-IT" sz="2800" dirty="0" smtClean="0">
+                <a:latin typeface="+mj-lt"/>
+              </a:rPr>
+              <a:t>Dettagli logistici</a:t>
+            </a:r>
+          </a:p>
+        </p:txBody>
+      </p:sp>
+      <p:sp>
+        <p:nvSpPr>
+          <p:cNvPr id="8" name="Segnaposto numero diapositiva 7"/>
+          <p:cNvSpPr>
+            <a:spLocks noGrp="1"/>
+          </p:cNvSpPr>
+          <p:nvPr>
+            <p:ph type="sldNum" sz="quarter" idx="12"/>
+          </p:nvPr>
+        </p:nvSpPr>
+        <p:spPr/>
+        <p:txBody>
+          <a:bodyPr/>
+          <a:lstStyle/>
+          <a:p>
+            <a:fld id="{6F4CAB23-5FA6-42CD-8303-50488185AA74}" type="slidenum">
+              <a:rPr lang="en-US" smtClean="0"/>
+              <a:t>6</a:t>
+            </a:fld>
+            <a:endParaRPr lang="en-US"/>
+          </a:p>
+        </p:txBody>
+      </p:sp>
+    </p:spTree>
+    <p:extLst>
+      <p:ext uri="{BB962C8B-B14F-4D97-AF65-F5344CB8AC3E}">
+        <p14:creationId xmlns:p14="http://schemas.microsoft.com/office/powerpoint/2010/main" val="3063687967"/>
+      </p:ext>
+    </p:extLst>
+  </p:cSld>
+  <p:clrMapOvr>
+    <a:masterClrMapping/>
+  </p:clrMapOvr>
+  <mc:AlternateContent xmlns:mc="http://schemas.openxmlformats.org/markup-compatibility/2006">
+    <mc:Choice xmlns:p14="http://schemas.microsoft.com/office/powerpoint/2010/main" Requires="p14">
+      <p:transition spd="slow" p14:dur="2000" advTm="18634"/>
+    </mc:Choice>
+    <mc:Fallback>
+      <p:transition spd="slow" advTm="18634"/>
+    </mc:Fallback>
+  </mc:AlternateContent>
   <p:timing>
     <p:tnLst>
       <p:par>
@@ -5214,9 +6616,32 @@
           </a:p>
         </p:txBody>
       </p:sp>
+      <p:sp>
+        <p:nvSpPr>
+          <p:cNvPr id="9" name="Segnaposto numero diapositiva 8"/>
+          <p:cNvSpPr>
+            <a:spLocks noGrp="1"/>
+          </p:cNvSpPr>
+          <p:nvPr>
+            <p:ph type="sldNum" sz="quarter" idx="12"/>
+          </p:nvPr>
+        </p:nvSpPr>
+        <p:spPr/>
+        <p:txBody>
+          <a:bodyPr/>
+          <a:lstStyle/>
+          <a:p>
+            <a:fld id="{6F4CAB23-5FA6-42CD-8303-50488185AA74}" type="slidenum">
+              <a:rPr lang="en-US" smtClean="0"/>
+              <a:t>7</a:t>
+            </a:fld>
+            <a:endParaRPr lang="en-US"/>
+          </a:p>
+        </p:txBody>
+      </p:sp>
       <p:pic>
         <p:nvPicPr>
-          <p:cNvPr id="4" name="Segnaposto contenuto 3"/>
+          <p:cNvPr id="11" name="Segnaposto contenuto 10"/>
           <p:cNvPicPr>
             <a:picLocks noGrp="1" noChangeAspect="1"/>
           </p:cNvPicPr>
@@ -5225,7 +6650,7 @@
           </p:nvPr>
         </p:nvPicPr>
         <p:blipFill>
-          <a:blip r:embed="rId2">
+          <a:blip r:embed="rId3">
             <a:extLst>
               <a:ext uri="{28A0092B-C50C-407E-A947-70E740481C1C}">
                 <a14:useLocalDpi xmlns:a14="http://schemas.microsoft.com/office/drawing/2010/main" val="0"/>
@@ -5238,21 +6663,29 @@
         </p:blipFill>
         <p:spPr>
           <a:xfrm>
-            <a:off x="3157706" y="1690688"/>
-            <a:ext cx="5876587" cy="4146424"/>
+            <a:off x="2600364" y="1690688"/>
+            <a:ext cx="6991271" cy="4351338"/>
           </a:xfrm>
         </p:spPr>
       </p:pic>
     </p:spTree>
     <p:extLst>
       <p:ext uri="{BB962C8B-B14F-4D97-AF65-F5344CB8AC3E}">
-        <p14:creationId xmlns:p14="http://schemas.microsoft.com/office/powerpoint/2010/main" val="3063687967"/>
+        <p14:creationId xmlns:p14="http://schemas.microsoft.com/office/powerpoint/2010/main" val="2530410829"/>
       </p:ext>
     </p:extLst>
   </p:cSld>
   <p:clrMapOvr>
     <a:masterClrMapping/>
   </p:clrMapOvr>
+  <mc:AlternateContent xmlns:mc="http://schemas.openxmlformats.org/markup-compatibility/2006">
+    <mc:Choice xmlns:p14="http://schemas.microsoft.com/office/powerpoint/2010/main" Requires="p14">
+      <p:transition spd="slow" p14:dur="2000" advTm="20358"/>
+    </mc:Choice>
+    <mc:Fallback>
+      <p:transition spd="slow" advTm="20358"/>
+    </mc:Fallback>
+  </mc:AlternateContent>
   <p:timing>
     <p:tnLst>
       <p:par>
@@ -5304,9 +6737,31 @@
           </a:p>
         </p:txBody>
       </p:sp>
+      <p:sp>
+        <p:nvSpPr>
+          <p:cNvPr id="3" name="Segnaposto numero diapositiva 2"/>
+          <p:cNvSpPr>
+            <a:spLocks noGrp="1"/>
+          </p:cNvSpPr>
+          <p:nvPr>
+            <p:ph type="sldNum" sz="quarter" idx="12"/>
+          </p:nvPr>
+        </p:nvSpPr>
+        <p:spPr/>
+        <p:txBody>
+          <a:bodyPr/>
+          <a:lstStyle/>
+          <a:p>
+            <a:r>
+              <a:rPr lang="en-US" dirty="0" smtClean="0"/>
+              <a:t>7</a:t>
+            </a:r>
+          </a:p>
+        </p:txBody>
+      </p:sp>
       <p:pic>
         <p:nvPicPr>
-          <p:cNvPr id="8" name="Segnaposto contenuto 7"/>
+          <p:cNvPr id="5" name="Segnaposto contenuto 4"/>
           <p:cNvPicPr>
             <a:picLocks noGrp="1" noChangeAspect="1"/>
           </p:cNvPicPr>
@@ -5315,7 +6770,7 @@
           </p:nvPr>
         </p:nvPicPr>
         <p:blipFill>
-          <a:blip r:embed="rId2">
+          <a:blip r:embed="rId3">
             <a:extLst>
               <a:ext uri="{28A0092B-C50C-407E-A947-70E740481C1C}">
                 <a14:useLocalDpi xmlns:a14="http://schemas.microsoft.com/office/drawing/2010/main" val="0"/>
@@ -5328,21 +6783,73 @@
         </p:blipFill>
         <p:spPr>
           <a:xfrm>
-            <a:off x="3401521" y="1690688"/>
-            <a:ext cx="5388958" cy="4567238"/>
+            <a:off x="838200" y="1690688"/>
+            <a:ext cx="6991271" cy="4351338"/>
           </a:xfrm>
         </p:spPr>
       </p:pic>
+      <p:sp>
+        <p:nvSpPr>
+          <p:cNvPr id="7" name="CasellaDiTesto 6"/>
+          <p:cNvSpPr txBox="1"/>
+          <p:nvPr/>
+        </p:nvSpPr>
+        <p:spPr>
+          <a:xfrm>
+            <a:off x="8220035" y="4003426"/>
+            <a:ext cx="3524329" cy="1815882"/>
+          </a:xfrm>
+          <a:prstGeom prst="rect">
+            <a:avLst/>
+          </a:prstGeom>
+          <a:noFill/>
+        </p:spPr>
+        <p:txBody>
+          <a:bodyPr wrap="square" rtlCol="0">
+            <a:spAutoFit/>
+          </a:bodyPr>
+          <a:lstStyle/>
+          <a:p>
+            <a:pPr marL="457200" indent="-457200">
+              <a:buFont typeface="Arial" panose="020B0604020202020204" pitchFamily="34" charset="0"/>
+              <a:buChar char="•"/>
+            </a:pPr>
+            <a:r>
+              <a:rPr lang="it-IT" sz="2800" dirty="0" smtClean="0">
+                <a:latin typeface="+mj-lt"/>
+              </a:rPr>
+              <a:t>Rilevamento automatico del beacon da parte del </a:t>
+            </a:r>
+            <a:r>
+              <a:rPr lang="it-IT" sz="2800" dirty="0" err="1" smtClean="0">
+                <a:latin typeface="+mj-lt"/>
+              </a:rPr>
+              <a:t>tracker</a:t>
+            </a:r>
+            <a:endParaRPr lang="it-IT" sz="2800" dirty="0" smtClean="0">
+              <a:latin typeface="+mj-lt"/>
+            </a:endParaRPr>
+          </a:p>
+        </p:txBody>
+      </p:sp>
     </p:spTree>
     <p:extLst>
       <p:ext uri="{BB962C8B-B14F-4D97-AF65-F5344CB8AC3E}">
-        <p14:creationId xmlns:p14="http://schemas.microsoft.com/office/powerpoint/2010/main" val="2530410829"/>
+        <p14:creationId xmlns:p14="http://schemas.microsoft.com/office/powerpoint/2010/main" val="3109460200"/>
       </p:ext>
     </p:extLst>
   </p:cSld>
   <p:clrMapOvr>
     <a:masterClrMapping/>
   </p:clrMapOvr>
+  <mc:AlternateContent xmlns:mc="http://schemas.openxmlformats.org/markup-compatibility/2006">
+    <mc:Choice xmlns:p14="http://schemas.microsoft.com/office/powerpoint/2010/main" Requires="p14">
+      <p:transition spd="slow" p14:dur="2000" advTm="31596"/>
+    </mc:Choice>
+    <mc:Fallback>
+      <p:transition spd="slow" advTm="31596"/>
+    </mc:Fallback>
+  </mc:AlternateContent>
   <p:timing>
     <p:tnLst>
       <p:par>
@@ -5394,9 +6901,32 @@
           </a:p>
         </p:txBody>
       </p:sp>
+      <p:sp>
+        <p:nvSpPr>
+          <p:cNvPr id="3" name="Segnaposto numero diapositiva 2"/>
+          <p:cNvSpPr>
+            <a:spLocks noGrp="1"/>
+          </p:cNvSpPr>
+          <p:nvPr>
+            <p:ph type="sldNum" sz="quarter" idx="12"/>
+          </p:nvPr>
+        </p:nvSpPr>
+        <p:spPr/>
+        <p:txBody>
+          <a:bodyPr/>
+          <a:lstStyle/>
+          <a:p>
+            <a:r>
+              <a:rPr lang="en-US" dirty="0"/>
+              <a:t>7</a:t>
+            </a:r>
+            <a:endParaRPr lang="en-US" dirty="0"/>
+          </a:p>
+        </p:txBody>
+      </p:sp>
       <p:pic>
         <p:nvPicPr>
-          <p:cNvPr id="6" name="Segnaposto contenuto 5"/>
+          <p:cNvPr id="5" name="Segnaposto contenuto 4"/>
           <p:cNvPicPr>
             <a:picLocks noGrp="1" noChangeAspect="1"/>
           </p:cNvPicPr>
@@ -5418,21 +6948,64 @@
         </p:blipFill>
         <p:spPr>
           <a:xfrm>
-            <a:off x="2977612" y="1690688"/>
-            <a:ext cx="6236775" cy="4659660"/>
+            <a:off x="838200" y="1690688"/>
+            <a:ext cx="6991271" cy="4351338"/>
           </a:xfrm>
         </p:spPr>
       </p:pic>
+      <p:sp>
+        <p:nvSpPr>
+          <p:cNvPr id="7" name="CasellaDiTesto 6"/>
+          <p:cNvSpPr txBox="1"/>
+          <p:nvPr/>
+        </p:nvSpPr>
+        <p:spPr>
+          <a:xfrm>
+            <a:off x="8220035" y="3866357"/>
+            <a:ext cx="3524329" cy="1384995"/>
+          </a:xfrm>
+          <a:prstGeom prst="rect">
+            <a:avLst/>
+          </a:prstGeom>
+          <a:noFill/>
+        </p:spPr>
+        <p:txBody>
+          <a:bodyPr wrap="square" rtlCol="0">
+            <a:spAutoFit/>
+          </a:bodyPr>
+          <a:lstStyle/>
+          <a:p>
+            <a:pPr marL="457200" indent="-457200">
+              <a:buFont typeface="Arial" panose="020B0604020202020204" pitchFamily="34" charset="0"/>
+              <a:buChar char="•"/>
+            </a:pPr>
+            <a:r>
+              <a:rPr lang="it-IT" sz="2800" dirty="0" smtClean="0">
+                <a:latin typeface="+mj-lt"/>
+              </a:rPr>
+              <a:t>Invio aggiornamento al server</a:t>
+            </a:r>
+          </a:p>
+        </p:txBody>
+      </p:sp>
     </p:spTree>
     <p:extLst>
       <p:ext uri="{BB962C8B-B14F-4D97-AF65-F5344CB8AC3E}">
-        <p14:creationId xmlns:p14="http://schemas.microsoft.com/office/powerpoint/2010/main" val="563390624"/>
+        <p14:creationId xmlns:p14="http://schemas.microsoft.com/office/powerpoint/2010/main" val="1079587727"/>
       </p:ext>
     </p:extLst>
   </p:cSld>
   <p:clrMapOvr>
     <a:masterClrMapping/>
   </p:clrMapOvr>
+  <mc:AlternateContent xmlns:mc="http://schemas.openxmlformats.org/markup-compatibility/2006">
+    <mc:Choice xmlns:p14="http://schemas.microsoft.com/office/powerpoint/2010/main" Requires="p14">
+      <p:transition spd="slow" p14:dur="2000" advTm="20357"/>
+    </mc:Choice>
+    <mc:Fallback>
+      <p:transition spd="slow" advTm="20357"/>
+    </mc:Fallback>
+  </mc:AlternateContent>
   <p:timing>
     <p:tnLst>
       <p:par>
